--- a/פוסטר 1950.pptx
+++ b/פוסטר 1950.pptx
@@ -243,7 +243,7 @@
           <a:p>
             <a:fld id="{EBC92114-2DE2-4DBD-88F5-EC34E326FC88}" type="datetimeFigureOut">
               <a:rPr lang="he-IL" smtClean="0"/>
-              <a:t>כ"ו/תמוז/תש"פ</a:t>
+              <a:t>כ"ח/תמוז/תש"ף</a:t>
             </a:fld>
             <a:endParaRPr lang="he-IL"/>
           </a:p>
@@ -413,7 +413,7 @@
           <a:p>
             <a:fld id="{EBC92114-2DE2-4DBD-88F5-EC34E326FC88}" type="datetimeFigureOut">
               <a:rPr lang="he-IL" smtClean="0"/>
-              <a:t>כ"ו/תמוז/תש"פ</a:t>
+              <a:t>כ"ח/תמוז/תש"ף</a:t>
             </a:fld>
             <a:endParaRPr lang="he-IL"/>
           </a:p>
@@ -593,7 +593,7 @@
           <a:p>
             <a:fld id="{EBC92114-2DE2-4DBD-88F5-EC34E326FC88}" type="datetimeFigureOut">
               <a:rPr lang="he-IL" smtClean="0"/>
-              <a:t>כ"ו/תמוז/תש"פ</a:t>
+              <a:t>כ"ח/תמוז/תש"ף</a:t>
             </a:fld>
             <a:endParaRPr lang="he-IL"/>
           </a:p>
@@ -763,7 +763,7 @@
           <a:p>
             <a:fld id="{EBC92114-2DE2-4DBD-88F5-EC34E326FC88}" type="datetimeFigureOut">
               <a:rPr lang="he-IL" smtClean="0"/>
-              <a:t>כ"ו/תמוז/תש"פ</a:t>
+              <a:t>כ"ח/תמוז/תש"ף</a:t>
             </a:fld>
             <a:endParaRPr lang="he-IL"/>
           </a:p>
@@ -1007,7 +1007,7 @@
           <a:p>
             <a:fld id="{EBC92114-2DE2-4DBD-88F5-EC34E326FC88}" type="datetimeFigureOut">
               <a:rPr lang="he-IL" smtClean="0"/>
-              <a:t>כ"ו/תמוז/תש"פ</a:t>
+              <a:t>כ"ח/תמוז/תש"ף</a:t>
             </a:fld>
             <a:endParaRPr lang="he-IL"/>
           </a:p>
@@ -1239,7 +1239,7 @@
           <a:p>
             <a:fld id="{EBC92114-2DE2-4DBD-88F5-EC34E326FC88}" type="datetimeFigureOut">
               <a:rPr lang="he-IL" smtClean="0"/>
-              <a:t>כ"ו/תמוז/תש"פ</a:t>
+              <a:t>כ"ח/תמוז/תש"ף</a:t>
             </a:fld>
             <a:endParaRPr lang="he-IL"/>
           </a:p>
@@ -1606,7 +1606,7 @@
           <a:p>
             <a:fld id="{EBC92114-2DE2-4DBD-88F5-EC34E326FC88}" type="datetimeFigureOut">
               <a:rPr lang="he-IL" smtClean="0"/>
-              <a:t>כ"ו/תמוז/תש"פ</a:t>
+              <a:t>כ"ח/תמוז/תש"ף</a:t>
             </a:fld>
             <a:endParaRPr lang="he-IL"/>
           </a:p>
@@ -1724,7 +1724,7 @@
           <a:p>
             <a:fld id="{EBC92114-2DE2-4DBD-88F5-EC34E326FC88}" type="datetimeFigureOut">
               <a:rPr lang="he-IL" smtClean="0"/>
-              <a:t>כ"ו/תמוז/תש"פ</a:t>
+              <a:t>כ"ח/תמוז/תש"ף</a:t>
             </a:fld>
             <a:endParaRPr lang="he-IL"/>
           </a:p>
@@ -1819,7 +1819,7 @@
           <a:p>
             <a:fld id="{EBC92114-2DE2-4DBD-88F5-EC34E326FC88}" type="datetimeFigureOut">
               <a:rPr lang="he-IL" smtClean="0"/>
-              <a:t>כ"ו/תמוז/תש"פ</a:t>
+              <a:t>כ"ח/תמוז/תש"ף</a:t>
             </a:fld>
             <a:endParaRPr lang="he-IL"/>
           </a:p>
@@ -2096,7 +2096,7 @@
           <a:p>
             <a:fld id="{EBC92114-2DE2-4DBD-88F5-EC34E326FC88}" type="datetimeFigureOut">
               <a:rPr lang="he-IL" smtClean="0"/>
-              <a:t>כ"ו/תמוז/תש"פ</a:t>
+              <a:t>כ"ח/תמוז/תש"ף</a:t>
             </a:fld>
             <a:endParaRPr lang="he-IL"/>
           </a:p>
@@ -2353,7 +2353,7 @@
           <a:p>
             <a:fld id="{EBC92114-2DE2-4DBD-88F5-EC34E326FC88}" type="datetimeFigureOut">
               <a:rPr lang="he-IL" smtClean="0"/>
-              <a:t>כ"ו/תמוז/תש"פ</a:t>
+              <a:t>כ"ח/תמוז/תש"ף</a:t>
             </a:fld>
             <a:endParaRPr lang="he-IL"/>
           </a:p>
@@ -2566,7 +2566,7 @@
           <a:p>
             <a:fld id="{EBC92114-2DE2-4DBD-88F5-EC34E326FC88}" type="datetimeFigureOut">
               <a:rPr lang="he-IL" smtClean="0"/>
-              <a:t>כ"ו/תמוז/תש"פ</a:t>
+              <a:t>כ"ח/תמוז/תש"ף</a:t>
             </a:fld>
             <a:endParaRPr lang="he-IL"/>
           </a:p>
@@ -2982,14 +2982,14 @@
               <p:nvPr>
                 <p:extLst>
                   <p:ext uri="{D42A27DB-BD31-4B8C-83A1-F6EECF244321}">
-                    <p14:modId xmlns:p14="http://schemas.microsoft.com/office/powerpoint/2010/main" val="907951635"/>
+                    <p14:modId xmlns:p14="http://schemas.microsoft.com/office/powerpoint/2010/main" val="773529503"/>
                   </p:ext>
                 </p:extLst>
               </p:nvPr>
             </p:nvGraphicFramePr>
             <p:xfrm>
-              <a:off x="384740" y="3698810"/>
-              <a:ext cx="35185420" cy="20868070"/>
+              <a:off x="342900" y="3602558"/>
+              <a:ext cx="35227260" cy="21762720"/>
             </p:xfrm>
             <a:graphic>
               <a:graphicData uri="http://schemas.openxmlformats.org/drawingml/2006/table">
@@ -2998,7 +2998,7 @@
                     <a:tableStyleId>{2D5ABB26-0587-4C30-8999-92F81FD0307C}</a:tableStyleId>
                   </a:tblPr>
                   <a:tblGrid>
-                    <a:gridCol w="11746393">
+                    <a:gridCol w="11788233">
                       <a:extLst>
                         <a:ext uri="{9D8B030D-6E8A-4147-A177-3AD203B41FA5}">
                           <a16:colId xmlns:a16="http://schemas.microsoft.com/office/drawing/2014/main" val="20000"/>
@@ -3111,67 +3111,8 @@
                               <a:ea typeface="+mn-ea"/>
                               <a:cs typeface="Open Sans Hebrew" panose="00000500000000000000" pitchFamily="2" charset="-79"/>
                             </a:rPr>
-                            <a:t>There are 2 ways to monitor the loads in one’s grid: ILM (Intrusive load monitoring)  and NILM (non-intrusive load monitoring). The former is the idea of using metering device for each load, which is expensive and hard to maintain, while the latter is the concept of using a single meter to monitoring simultaneously the entire grid’s loads.</a:t>
+                            <a:t>There are 2 ways to monitor the loads in one’s grid: ILM (Intrusive load monitoring)  and NILM (non-intrusive load monitoring). The former is the idea of using metering device for each load, which is expensive and hard to maintain, while the latter is the concept of using a single meter to monitoring simultaneously the entire grid’s loads.[1]</a:t>
                           </a:r>
-                        </a:p>
-                        <a:p>
-                          <a:pPr marL="0" marR="0" lvl="0" indent="0" algn="l" defTabSz="2519995" rtl="0" eaLnBrk="1" fontAlgn="auto" latinLnBrk="0" hangingPunct="1">
-                            <a:lnSpc>
-                              <a:spcPct val="100000"/>
-                            </a:lnSpc>
-                            <a:spcBef>
-                              <a:spcPts val="0"/>
-                            </a:spcBef>
-                            <a:spcAft>
-                              <a:spcPts val="0"/>
-                            </a:spcAft>
-                            <a:buClrTx/>
-                            <a:buSzTx/>
-                            <a:buFont typeface="Arial" panose="020B0604020202020204" pitchFamily="34" charset="0"/>
-                            <a:buNone/>
-                            <a:tabLst/>
-                            <a:defRPr/>
-                          </a:pPr>
-                          <a:r>
-                            <a:rPr lang="en-US" sz="3400" b="0" kern="1200" dirty="0">
-                              <a:solidFill>
-                                <a:srgbClr val="FF0000"/>
-                              </a:solidFill>
-                              <a:effectLst/>
-                              <a:latin typeface="+mn-lt"/>
-                              <a:ea typeface="+mn-ea"/>
-                              <a:cs typeface="Open Sans Hebrew" panose="00000500000000000000" pitchFamily="2" charset="-79"/>
-                            </a:rPr>
-                            <a:t>More?</a:t>
-                          </a:r>
-                        </a:p>
-                        <a:p>
-                          <a:pPr marL="0" marR="0" lvl="0" indent="0" algn="l" defTabSz="2519995" rtl="0" eaLnBrk="1" fontAlgn="auto" latinLnBrk="0" hangingPunct="1">
-                            <a:lnSpc>
-                              <a:spcPct val="100000"/>
-                            </a:lnSpc>
-                            <a:spcBef>
-                              <a:spcPts val="0"/>
-                            </a:spcBef>
-                            <a:spcAft>
-                              <a:spcPts val="0"/>
-                            </a:spcAft>
-                            <a:buClrTx/>
-                            <a:buSzTx/>
-                            <a:buFont typeface="Arial" panose="020B0604020202020204" pitchFamily="34" charset="0"/>
-                            <a:buNone/>
-                            <a:tabLst/>
-                            <a:defRPr/>
-                          </a:pPr>
-                          <a:endParaRPr lang="en-US" sz="3400" b="0" kern="1200" dirty="0">
-                            <a:solidFill>
-                              <a:schemeClr val="tx1"/>
-                            </a:solidFill>
-                            <a:effectLst/>
-                            <a:latin typeface="+mn-lt"/>
-                            <a:ea typeface="+mn-ea"/>
-                            <a:cs typeface="Open Sans Hebrew" panose="00000500000000000000" pitchFamily="2" charset="-79"/>
-                          </a:endParaRPr>
                         </a:p>
                         <a:p>
                           <a:pPr marL="0" marR="0" lvl="0" indent="0" algn="l" defTabSz="2519995" rtl="0" eaLnBrk="1" fontAlgn="auto" latinLnBrk="0" hangingPunct="1">
@@ -3251,7 +3192,7 @@
                             <a:defRPr/>
                           </a:pPr>
                           <a:r>
-                            <a:rPr lang="en-US" sz="3400" kern="1200" dirty="0">
+                            <a:rPr lang="en-US" sz="3400" b="0" kern="1200" dirty="0">
                               <a:solidFill>
                                 <a:schemeClr val="tx1"/>
                               </a:solidFill>
@@ -3260,8 +3201,268 @@
                               <a:ea typeface="+mn-ea"/>
                               <a:cs typeface="Open Sans Hebrew" panose="00000500000000000000" pitchFamily="2" charset="-79"/>
                             </a:rPr>
-                            <a:t>-</a:t>
+                            <a:t>By giving the average consumer an easy way to access the data gathered in NILM, one may hope it will encourage him to act in an energy saving behavior and help him save money. </a:t>
                           </a:r>
+                        </a:p>
+                        <a:p>
+                          <a:pPr marL="0" marR="0" lvl="0" indent="0" algn="l" defTabSz="2519995" rtl="0" eaLnBrk="1" fontAlgn="auto" latinLnBrk="0" hangingPunct="1">
+                            <a:lnSpc>
+                              <a:spcPct val="100000"/>
+                            </a:lnSpc>
+                            <a:spcBef>
+                              <a:spcPts val="0"/>
+                            </a:spcBef>
+                            <a:spcAft>
+                              <a:spcPts val="0"/>
+                            </a:spcAft>
+                            <a:buClrTx/>
+                            <a:buSzTx/>
+                            <a:buFontTx/>
+                            <a:buNone/>
+                            <a:tabLst/>
+                            <a:defRPr/>
+                          </a:pPr>
+                          <a:r>
+                            <a:rPr lang="en-US" sz="3400" b="0" kern="1200" dirty="0">
+                              <a:solidFill>
+                                <a:schemeClr val="tx1"/>
+                              </a:solidFill>
+                              <a:effectLst/>
+                              <a:latin typeface="+mn-lt"/>
+                              <a:ea typeface="+mn-ea"/>
+                              <a:cs typeface="Open Sans Hebrew" panose="00000500000000000000" pitchFamily="2" charset="-79"/>
+                            </a:rPr>
+                            <a:t>In order to achieve this goal:</a:t>
+                          </a:r>
+                        </a:p>
+                        <a:p>
+                          <a:pPr marL="457200" marR="0" lvl="0" indent="-457200" algn="l" defTabSz="2519995" rtl="0" eaLnBrk="1" fontAlgn="auto" latinLnBrk="0" hangingPunct="1">
+                            <a:lnSpc>
+                              <a:spcPct val="100000"/>
+                            </a:lnSpc>
+                            <a:spcBef>
+                              <a:spcPts val="0"/>
+                            </a:spcBef>
+                            <a:spcAft>
+                              <a:spcPts val="0"/>
+                            </a:spcAft>
+                            <a:buClrTx/>
+                            <a:buSzTx/>
+                            <a:buFont typeface="Arial" panose="020B0604020202020204" pitchFamily="34" charset="0"/>
+                            <a:buChar char="•"/>
+                            <a:tabLst/>
+                            <a:defRPr/>
+                          </a:pPr>
+                          <a:r>
+                            <a:rPr lang="en-US" sz="3400" b="0" kern="1200" dirty="0">
+                              <a:solidFill>
+                                <a:schemeClr val="tx1"/>
+                              </a:solidFill>
+                              <a:effectLst/>
+                              <a:latin typeface="+mn-lt"/>
+                              <a:ea typeface="+mn-ea"/>
+                              <a:cs typeface="Open Sans Hebrew" panose="00000500000000000000" pitchFamily="2" charset="-79"/>
+                            </a:rPr>
+                            <a:t>We developed a NILM algorithm.</a:t>
+                          </a:r>
+                        </a:p>
+                        <a:p>
+                          <a:pPr marL="457200" marR="0" lvl="0" indent="-457200" algn="l" defTabSz="2519995" rtl="0" eaLnBrk="1" fontAlgn="auto" latinLnBrk="0" hangingPunct="1">
+                            <a:lnSpc>
+                              <a:spcPct val="100000"/>
+                            </a:lnSpc>
+                            <a:spcBef>
+                              <a:spcPts val="0"/>
+                            </a:spcBef>
+                            <a:spcAft>
+                              <a:spcPts val="0"/>
+                            </a:spcAft>
+                            <a:buClrTx/>
+                            <a:buSzTx/>
+                            <a:buFont typeface="Arial" panose="020B0604020202020204" pitchFamily="34" charset="0"/>
+                            <a:buChar char="•"/>
+                            <a:tabLst/>
+                            <a:defRPr/>
+                          </a:pPr>
+                          <a:r>
+                            <a:rPr lang="en-US" sz="3400" b="0" kern="1200" dirty="0">
+                              <a:solidFill>
+                                <a:schemeClr val="tx1"/>
+                              </a:solidFill>
+                              <a:effectLst/>
+                              <a:latin typeface="+mn-lt"/>
+                              <a:ea typeface="+mn-ea"/>
+                              <a:cs typeface="Open Sans Hebrew" panose="00000500000000000000" pitchFamily="2" charset="-79"/>
+                            </a:rPr>
+                            <a:t>We developed a friendly user interface (an android phone app).</a:t>
+                          </a:r>
+                        </a:p>
+                        <a:p>
+                          <a:pPr marL="0" marR="0" lvl="0" indent="0" algn="l" defTabSz="2519995" rtl="0" eaLnBrk="1" fontAlgn="auto" latinLnBrk="0" hangingPunct="1">
+                            <a:lnSpc>
+                              <a:spcPct val="100000"/>
+                            </a:lnSpc>
+                            <a:spcBef>
+                              <a:spcPts val="0"/>
+                            </a:spcBef>
+                            <a:spcAft>
+                              <a:spcPts val="0"/>
+                            </a:spcAft>
+                            <a:buClrTx/>
+                            <a:buSzTx/>
+                            <a:buFontTx/>
+                            <a:buNone/>
+                            <a:tabLst/>
+                            <a:defRPr/>
+                          </a:pPr>
+                          <a:endParaRPr lang="en-US" sz="3400" b="0" kern="1200" dirty="0">
+                            <a:solidFill>
+                              <a:schemeClr val="tx1"/>
+                            </a:solidFill>
+                            <a:effectLst/>
+                            <a:highlight>
+                              <a:srgbClr val="FFFF00"/>
+                            </a:highlight>
+                            <a:latin typeface="+mn-lt"/>
+                            <a:ea typeface="+mn-ea"/>
+                            <a:cs typeface="Open Sans Hebrew" panose="00000500000000000000" pitchFamily="2" charset="-79"/>
+                          </a:endParaRPr>
+                        </a:p>
+                        <a:p>
+                          <a:pPr marL="0" marR="0" lvl="0" indent="0" algn="l" defTabSz="2519995" rtl="0" eaLnBrk="1" fontAlgn="auto" latinLnBrk="0" hangingPunct="1">
+                            <a:lnSpc>
+                              <a:spcPct val="100000"/>
+                            </a:lnSpc>
+                            <a:spcBef>
+                              <a:spcPts val="0"/>
+                            </a:spcBef>
+                            <a:spcAft>
+                              <a:spcPts val="0"/>
+                            </a:spcAft>
+                            <a:buClrTx/>
+                            <a:buSzTx/>
+                            <a:buFontTx/>
+                            <a:buNone/>
+                            <a:tabLst/>
+                            <a:defRPr/>
+                          </a:pPr>
+                          <a:r>
+                            <a:rPr lang="en-US" sz="5400" b="1" kern="1200" dirty="0">
+                              <a:solidFill>
+                                <a:schemeClr val="tx1"/>
+                              </a:solidFill>
+                              <a:effectLst/>
+                              <a:latin typeface="+mn-lt"/>
+                              <a:ea typeface="+mn-ea"/>
+                              <a:cs typeface="Open Sans Hebrew" panose="00000500000000000000" pitchFamily="2" charset="-79"/>
+                            </a:rPr>
+                            <a:t>Methods/Implementation</a:t>
+                          </a:r>
+                        </a:p>
+                        <a:p>
+                          <a:pPr marL="0" marR="0" lvl="0" indent="0" algn="l" defTabSz="2519995" rtl="0" eaLnBrk="1" fontAlgn="auto" latinLnBrk="0" hangingPunct="1">
+                            <a:lnSpc>
+                              <a:spcPct val="100000"/>
+                            </a:lnSpc>
+                            <a:spcBef>
+                              <a:spcPts val="0"/>
+                            </a:spcBef>
+                            <a:spcAft>
+                              <a:spcPts val="0"/>
+                            </a:spcAft>
+                            <a:buClrTx/>
+                            <a:buSzTx/>
+                            <a:buFontTx/>
+                            <a:buNone/>
+                            <a:tabLst/>
+                            <a:defRPr/>
+                          </a:pPr>
+                          <a:r>
+                            <a:rPr lang="en-US" sz="3400" b="0" kern="1200" dirty="0">
+                              <a:solidFill>
+                                <a:schemeClr val="tx1"/>
+                              </a:solidFill>
+                              <a:effectLst/>
+                              <a:latin typeface="+mn-lt"/>
+                              <a:ea typeface="+mn-ea"/>
+                              <a:cs typeface="Open Sans Hebrew" panose="00000500000000000000" pitchFamily="2" charset="-79"/>
+                            </a:rPr>
+                            <a:t>Our solution to the problem can easily described by 2 phases: In the first our goal was to detect events in the grid (</a:t>
+                          </a:r>
+                          <a:r>
+                            <a:rPr lang="en-US" sz="3400" b="0" kern="1200" dirty="0" err="1">
+                              <a:solidFill>
+                                <a:schemeClr val="tx1"/>
+                              </a:solidFill>
+                              <a:effectLst/>
+                              <a:latin typeface="+mn-lt"/>
+                              <a:ea typeface="+mn-ea"/>
+                              <a:cs typeface="Open Sans Hebrew" panose="00000500000000000000" pitchFamily="2" charset="-79"/>
+                            </a:rPr>
+                            <a:t>i.e</a:t>
+                          </a:r>
+                          <a:r>
+                            <a:rPr lang="en-US" sz="3400" b="0" kern="1200" dirty="0">
+                              <a:solidFill>
+                                <a:schemeClr val="tx1"/>
+                              </a:solidFill>
+                              <a:effectLst/>
+                              <a:latin typeface="+mn-lt"/>
+                              <a:ea typeface="+mn-ea"/>
+                              <a:cs typeface="Open Sans Hebrew" panose="00000500000000000000" pitchFamily="2" charset="-79"/>
+                            </a:rPr>
+                            <a:t> when a device connects or disconnects) and in the second it was to recognize what device is connected to the event.</a:t>
+                          </a:r>
+                        </a:p>
+                        <a:p>
+                          <a:pPr marL="0" marR="0" lvl="0" indent="0" algn="l" defTabSz="2519995" rtl="0" eaLnBrk="1" fontAlgn="auto" latinLnBrk="0" hangingPunct="1">
+                            <a:lnSpc>
+                              <a:spcPct val="100000"/>
+                            </a:lnSpc>
+                            <a:spcBef>
+                              <a:spcPts val="0"/>
+                            </a:spcBef>
+                            <a:spcAft>
+                              <a:spcPts val="0"/>
+                            </a:spcAft>
+                            <a:buClrTx/>
+                            <a:buSzTx/>
+                            <a:buFontTx/>
+                            <a:buNone/>
+                            <a:tabLst/>
+                            <a:defRPr/>
+                          </a:pPr>
+                          <a:r>
+                            <a:rPr lang="en-US" sz="3400" b="0" kern="1200" dirty="0">
+                              <a:solidFill>
+                                <a:schemeClr val="tx1"/>
+                              </a:solidFill>
+                              <a:effectLst/>
+                              <a:latin typeface="+mn-lt"/>
+                              <a:ea typeface="+mn-ea"/>
+                              <a:cs typeface="Open Sans Hebrew" panose="00000500000000000000" pitchFamily="2" charset="-79"/>
+                            </a:rPr>
+                            <a:t>The event detection was implemented by calculating differences in power, then connecting positive gradient to negative gradient, and by such defining an event in our grid.</a:t>
+                          </a:r>
+                        </a:p>
+                        <a:p>
+                          <a:pPr marL="0" marR="0" lvl="0" indent="0" algn="l" defTabSz="2519995" rtl="0" eaLnBrk="1" fontAlgn="auto" latinLnBrk="0" hangingPunct="1">
+                            <a:lnSpc>
+                              <a:spcPct val="100000"/>
+                            </a:lnSpc>
+                            <a:spcBef>
+                              <a:spcPts val="0"/>
+                            </a:spcBef>
+                            <a:spcAft>
+                              <a:spcPts val="0"/>
+                            </a:spcAft>
+                            <a:buClrTx/>
+                            <a:buSzTx/>
+                            <a:buFontTx/>
+                            <a:buNone/>
+                            <a:tabLst/>
+                            <a:defRPr/>
+                          </a:pPr>
                           <a:endParaRPr lang="en-US" sz="3400" baseline="0" dirty="0">
                             <a:effectLst/>
                             <a:latin typeface="+mn-lt"/>
@@ -3330,104 +3531,43 @@
                             <a:tabLst/>
                             <a:defRPr/>
                           </a:pPr>
-                          <a:r>
-                            <a:rPr lang="en-US" sz="5400" b="1" kern="1200" dirty="0">
-                              <a:solidFill>
-                                <a:schemeClr val="tx1"/>
-                              </a:solidFill>
-                              <a:effectLst/>
-                              <a:latin typeface="+mn-lt"/>
-                              <a:ea typeface="+mn-ea"/>
-                              <a:cs typeface="Open Sans Hebrew" panose="00000500000000000000" pitchFamily="2" charset="-79"/>
-                            </a:rPr>
-                            <a:t>Methods/Implementation</a:t>
-                          </a:r>
-                        </a:p>
-                        <a:p>
-                          <a:pPr marL="0" marR="0" lvl="0" indent="0" algn="l" defTabSz="2519995" rtl="0" eaLnBrk="1" fontAlgn="auto" latinLnBrk="0" hangingPunct="1">
-                            <a:lnSpc>
-                              <a:spcPct val="100000"/>
-                            </a:lnSpc>
-                            <a:spcBef>
-                              <a:spcPts val="0"/>
-                            </a:spcBef>
-                            <a:spcAft>
-                              <a:spcPts val="0"/>
-                            </a:spcAft>
-                            <a:buClrTx/>
-                            <a:buSzTx/>
-                            <a:buFontTx/>
-                            <a:buNone/>
-                            <a:tabLst/>
-                            <a:defRPr/>
-                          </a:pPr>
-                          <a:r>
-                            <a:rPr lang="en-US" sz="3400" b="0" kern="1200" dirty="0">
-                              <a:solidFill>
-                                <a:schemeClr val="tx1"/>
-                              </a:solidFill>
-                              <a:effectLst/>
-                              <a:latin typeface="+mn-lt"/>
-                              <a:ea typeface="+mn-ea"/>
-                              <a:cs typeface="Open Sans Hebrew" panose="00000500000000000000" pitchFamily="2" charset="-79"/>
-                            </a:rPr>
-                            <a:t>Our solution to the problem can easily described by 2 phases: In the first our goal was to detect events in the grid (</a:t>
-                          </a:r>
-                          <a:r>
-                            <a:rPr lang="en-US" sz="3400" b="0" kern="1200" dirty="0" err="1">
-                              <a:solidFill>
-                                <a:schemeClr val="tx1"/>
-                              </a:solidFill>
-                              <a:effectLst/>
-                              <a:latin typeface="+mn-lt"/>
-                              <a:ea typeface="+mn-ea"/>
-                              <a:cs typeface="Open Sans Hebrew" panose="00000500000000000000" pitchFamily="2" charset="-79"/>
-                            </a:rPr>
-                            <a:t>i.e</a:t>
-                          </a:r>
-                          <a:r>
-                            <a:rPr lang="en-US" sz="3400" b="0" kern="1200" dirty="0">
-                              <a:solidFill>
-                                <a:schemeClr val="tx1"/>
-                              </a:solidFill>
-                              <a:effectLst/>
-                              <a:latin typeface="+mn-lt"/>
-                              <a:ea typeface="+mn-ea"/>
-                              <a:cs typeface="Open Sans Hebrew" panose="00000500000000000000" pitchFamily="2" charset="-79"/>
-                            </a:rPr>
-                            <a:t> when a device connects or disconnects) and in the second it was to recognize what device is connected to the event.</a:t>
-                          </a:r>
-                        </a:p>
-                        <a:p>
-                          <a:pPr marL="0" marR="0" lvl="0" indent="0" algn="l" defTabSz="2519995" rtl="0" eaLnBrk="1" fontAlgn="auto" latinLnBrk="0" hangingPunct="1">
-                            <a:lnSpc>
-                              <a:spcPct val="100000"/>
-                            </a:lnSpc>
-                            <a:spcBef>
-                              <a:spcPts val="0"/>
-                            </a:spcBef>
-                            <a:spcAft>
-                              <a:spcPts val="0"/>
-                            </a:spcAft>
-                            <a:buClrTx/>
-                            <a:buSzTx/>
-                            <a:buFontTx/>
-                            <a:buNone/>
-                            <a:tabLst/>
-                            <a:defRPr/>
-                          </a:pPr>
-                          <a:r>
-                            <a:rPr lang="en-US" sz="3400" b="0" kern="1200" dirty="0">
-                              <a:solidFill>
-                                <a:schemeClr val="tx1"/>
-                              </a:solidFill>
-                              <a:effectLst/>
-                              <a:latin typeface="+mn-lt"/>
-                              <a:ea typeface="+mn-ea"/>
-                              <a:cs typeface="Open Sans Hebrew" panose="00000500000000000000" pitchFamily="2" charset="-79"/>
-                            </a:rPr>
-                            <a:t>The event detection was implemented by calculating differences in power, then connecting positive gradient to negative gradient, and by such defining an event in our grid.</a:t>
-                          </a:r>
+                          <a:endParaRPr lang="en-US" sz="3400" kern="1200" baseline="0" dirty="0">
+                            <a:solidFill>
+                              <a:schemeClr val="tx1"/>
+                            </a:solidFill>
+                            <a:effectLst/>
+                            <a:latin typeface="+mn-lt"/>
+                            <a:ea typeface="+mn-ea"/>
+                            <a:cs typeface="Open Sans Hebrew" panose="00000500000000000000" pitchFamily="2" charset="-79"/>
+                          </a:endParaRPr>
+                        </a:p>
+                        <a:p>
+                          <a:pPr marL="0" marR="0" lvl="0" indent="0" algn="l" defTabSz="2519995" rtl="0" eaLnBrk="1" fontAlgn="auto" latinLnBrk="0" hangingPunct="1">
+                            <a:lnSpc>
+                              <a:spcPct val="100000"/>
+                            </a:lnSpc>
+                            <a:spcBef>
+                              <a:spcPts val="0"/>
+                            </a:spcBef>
+                            <a:spcAft>
+                              <a:spcPts val="0"/>
+                            </a:spcAft>
+                            <a:buClrTx/>
+                            <a:buSzTx/>
+                            <a:buFontTx/>
+                            <a:buNone/>
+                            <a:tabLst/>
+                            <a:defRPr/>
+                          </a:pPr>
+                          <a:endParaRPr lang="en-US" sz="3400" kern="1200" baseline="0" dirty="0">
+                            <a:solidFill>
+                              <a:schemeClr val="tx1"/>
+                            </a:solidFill>
+                            <a:effectLst/>
+                            <a:latin typeface="+mn-lt"/>
+                            <a:ea typeface="+mn-ea"/>
+                            <a:cs typeface="Open Sans Hebrew" panose="00000500000000000000" pitchFamily="2" charset="-79"/>
+                          </a:endParaRPr>
                         </a:p>
                         <a:p>
                           <a:pPr marL="0" marR="0" lvl="0" indent="0" algn="l" defTabSz="2519995" rtl="0" eaLnBrk="1" fontAlgn="auto" latinLnBrk="0" hangingPunct="1">
@@ -3490,7 +3630,7 @@
                                       <a:schemeClr val="tx1"/>
                                     </a:solidFill>
                                     <a:effectLst/>
-                                    <a:latin typeface="+mn-lt"/>
+                                    <a:latin typeface="Cambria Math" panose="02040503050406030204" pitchFamily="18" charset="0"/>
                                     <a:ea typeface="+mn-ea"/>
                                     <a:cs typeface="+mn-cs"/>
                                   </a:rPr>
@@ -3504,7 +3644,7 @@
                                           <a:schemeClr val="tx1"/>
                                         </a:solidFill>
                                         <a:effectLst/>
-                                        <a:latin typeface="+mn-lt"/>
+                                        <a:latin typeface="Cambria Math" panose="02040503050406030204" pitchFamily="18" charset="0"/>
                                         <a:ea typeface="+mn-ea"/>
                                         <a:cs typeface="+mn-cs"/>
                                       </a:rPr>
@@ -3517,7 +3657,7 @@
                                           <a:schemeClr val="tx1"/>
                                         </a:solidFill>
                                         <a:effectLst/>
-                                        <a:latin typeface="+mn-lt"/>
+                                        <a:latin typeface="Cambria Math" panose="02040503050406030204" pitchFamily="18" charset="0"/>
                                         <a:ea typeface="+mn-ea"/>
                                         <a:cs typeface="+mn-cs"/>
                                       </a:rPr>
@@ -3529,7 +3669,7 @@
                                           <a:schemeClr val="tx1"/>
                                         </a:solidFill>
                                         <a:effectLst/>
-                                        <a:latin typeface="+mn-lt"/>
+                                        <a:latin typeface="Cambria Math" panose="02040503050406030204" pitchFamily="18" charset="0"/>
                                         <a:ea typeface="+mn-ea"/>
                                         <a:cs typeface="+mn-cs"/>
                                       </a:rPr>
@@ -3541,7 +3681,7 @@
                                           <a:schemeClr val="tx1"/>
                                         </a:solidFill>
                                         <a:effectLst/>
-                                        <a:latin typeface="+mn-lt"/>
+                                        <a:latin typeface="Cambria Math" panose="02040503050406030204" pitchFamily="18" charset="0"/>
                                         <a:ea typeface="+mn-ea"/>
                                         <a:cs typeface="+mn-cs"/>
                                       </a:rPr>
@@ -3555,7 +3695,7 @@
                                       <a:schemeClr val="tx1"/>
                                     </a:solidFill>
                                     <a:effectLst/>
-                                    <a:latin typeface="+mn-lt"/>
+                                    <a:latin typeface="Cambria Math" panose="02040503050406030204" pitchFamily="18" charset="0"/>
                                     <a:ea typeface="+mn-ea"/>
                                     <a:cs typeface="+mn-cs"/>
                                   </a:rPr>
@@ -3571,7 +3711,7 @@
                                           <a:schemeClr val="tx1"/>
                                         </a:solidFill>
                                         <a:effectLst/>
-                                        <a:latin typeface="+mn-lt"/>
+                                        <a:latin typeface="Cambria Math" panose="02040503050406030204" pitchFamily="18" charset="0"/>
                                         <a:ea typeface="+mn-ea"/>
                                         <a:cs typeface="+mn-cs"/>
                                       </a:rPr>
@@ -3584,7 +3724,7 @@
                                           <a:schemeClr val="tx1"/>
                                         </a:solidFill>
                                         <a:effectLst/>
-                                        <a:latin typeface="+mn-lt"/>
+                                        <a:latin typeface="Cambria Math" panose="02040503050406030204" pitchFamily="18" charset="0"/>
                                         <a:ea typeface="+mn-ea"/>
                                         <a:cs typeface="+mn-cs"/>
                                       </a:rPr>
@@ -3596,7 +3736,7 @@
                                           <a:schemeClr val="tx1"/>
                                         </a:solidFill>
                                         <a:effectLst/>
-                                        <a:latin typeface="+mn-lt"/>
+                                        <a:latin typeface="Cambria Math" panose="02040503050406030204" pitchFamily="18" charset="0"/>
                                         <a:ea typeface="+mn-ea"/>
                                         <a:cs typeface="+mn-cs"/>
                                       </a:rPr>
@@ -3608,7 +3748,7 @@
                                           <a:schemeClr val="tx1"/>
                                         </a:solidFill>
                                         <a:effectLst/>
-                                        <a:latin typeface="+mn-lt"/>
+                                        <a:latin typeface="Cambria Math" panose="02040503050406030204" pitchFamily="18" charset="0"/>
                                         <a:ea typeface="+mn-ea"/>
                                         <a:cs typeface="+mn-cs"/>
                                       </a:rPr>
@@ -3622,7 +3762,7 @@
                                           <a:schemeClr val="tx1"/>
                                         </a:solidFill>
                                         <a:effectLst/>
-                                        <a:latin typeface="+mn-lt"/>
+                                        <a:latin typeface="Cambria Math" panose="02040503050406030204" pitchFamily="18" charset="0"/>
                                         <a:ea typeface="+mn-ea"/>
                                         <a:cs typeface="+mn-cs"/>
                                       </a:rPr>
@@ -3638,7 +3778,7 @@
                                               <a:schemeClr val="tx1"/>
                                             </a:solidFill>
                                             <a:effectLst/>
-                                            <a:latin typeface="+mn-lt"/>
+                                            <a:latin typeface="Cambria Math" panose="02040503050406030204" pitchFamily="18" charset="0"/>
                                             <a:ea typeface="+mn-ea"/>
                                             <a:cs typeface="+mn-cs"/>
                                           </a:rPr>
@@ -3651,7 +3791,7 @@
                                               <a:schemeClr val="tx1"/>
                                             </a:solidFill>
                                             <a:effectLst/>
-                                            <a:latin typeface="+mn-lt"/>
+                                            <a:latin typeface="Cambria Math" panose="02040503050406030204" pitchFamily="18" charset="0"/>
                                             <a:ea typeface="+mn-ea"/>
                                             <a:cs typeface="+mn-cs"/>
                                           </a:rPr>
@@ -3665,7 +3805,7 @@
                                               <a:schemeClr val="tx1"/>
                                             </a:solidFill>
                                             <a:effectLst/>
-                                            <a:latin typeface="+mn-lt"/>
+                                            <a:latin typeface="Cambria Math" panose="02040503050406030204" pitchFamily="18" charset="0"/>
                                             <a:ea typeface="+mn-ea"/>
                                             <a:cs typeface="+mn-cs"/>
                                           </a:rPr>
@@ -3679,7 +3819,7 @@
                                           <a:schemeClr val="tx1"/>
                                         </a:solidFill>
                                         <a:effectLst/>
-                                        <a:latin typeface="+mn-lt"/>
+                                        <a:latin typeface="Cambria Math" panose="02040503050406030204" pitchFamily="18" charset="0"/>
                                         <a:ea typeface="+mn-ea"/>
                                         <a:cs typeface="+mn-cs"/>
                                       </a:rPr>
@@ -3691,7 +3831,7 @@
                                           <a:schemeClr val="tx1"/>
                                         </a:solidFill>
                                         <a:effectLst/>
-                                        <a:latin typeface="+mn-lt"/>
+                                        <a:latin typeface="Cambria Math" panose="02040503050406030204" pitchFamily="18" charset="0"/>
                                         <a:ea typeface="+mn-ea"/>
                                         <a:cs typeface="+mn-cs"/>
                                       </a:rPr>
@@ -3705,7 +3845,7 @@
                                               <a:schemeClr val="tx1"/>
                                             </a:solidFill>
                                             <a:effectLst/>
-                                            <a:latin typeface="+mn-lt"/>
+                                            <a:latin typeface="Cambria Math" panose="02040503050406030204" pitchFamily="18" charset="0"/>
                                             <a:ea typeface="+mn-ea"/>
                                             <a:cs typeface="+mn-cs"/>
                                           </a:rPr>
@@ -3718,7 +3858,7 @@
                                               <a:schemeClr val="tx1"/>
                                             </a:solidFill>
                                             <a:effectLst/>
-                                            <a:latin typeface="+mn-lt"/>
+                                            <a:latin typeface="Cambria Math" panose="02040503050406030204" pitchFamily="18" charset="0"/>
                                             <a:ea typeface="+mn-ea"/>
                                             <a:cs typeface="+mn-cs"/>
                                           </a:rPr>
@@ -3732,7 +3872,7 @@
                                               <a:schemeClr val="tx1"/>
                                             </a:solidFill>
                                             <a:effectLst/>
-                                            <a:latin typeface="+mn-lt"/>
+                                            <a:latin typeface="Cambria Math" panose="02040503050406030204" pitchFamily="18" charset="0"/>
                                             <a:ea typeface="+mn-ea"/>
                                             <a:cs typeface="+mn-cs"/>
                                           </a:rPr>
@@ -3746,7 +3886,7 @@
                                           <a:schemeClr val="tx1"/>
                                         </a:solidFill>
                                         <a:effectLst/>
-                                        <a:latin typeface="+mn-lt"/>
+                                        <a:latin typeface="Cambria Math" panose="02040503050406030204" pitchFamily="18" charset="0"/>
                                         <a:ea typeface="+mn-ea"/>
                                         <a:cs typeface="+mn-cs"/>
                                       </a:rPr>
@@ -3758,7 +3898,7 @@
                                           <a:schemeClr val="tx1"/>
                                         </a:solidFill>
                                         <a:effectLst/>
-                                        <a:latin typeface="+mn-lt"/>
+                                        <a:latin typeface="Cambria Math" panose="02040503050406030204" pitchFamily="18" charset="0"/>
                                         <a:ea typeface="+mn-ea"/>
                                         <a:cs typeface="+mn-cs"/>
                                       </a:rPr>
@@ -3770,7 +3910,7 @@
                                           <a:schemeClr val="tx1"/>
                                         </a:solidFill>
                                         <a:effectLst/>
-                                        <a:latin typeface="+mn-lt"/>
+                                        <a:latin typeface="Cambria Math" panose="02040503050406030204" pitchFamily="18" charset="0"/>
                                         <a:ea typeface="+mn-ea"/>
                                         <a:cs typeface="+mn-cs"/>
                                       </a:rPr>
@@ -3782,7 +3922,7 @@
                                           <a:schemeClr val="tx1"/>
                                         </a:solidFill>
                                         <a:effectLst/>
-                                        <a:latin typeface="+mn-lt"/>
+                                        <a:latin typeface="Cambria Math" panose="02040503050406030204" pitchFamily="18" charset="0"/>
                                         <a:ea typeface="+mn-ea"/>
                                         <a:cs typeface="+mn-cs"/>
                                       </a:rPr>
@@ -3794,7 +3934,7 @@
                                           <a:schemeClr val="tx1"/>
                                         </a:solidFill>
                                         <a:effectLst/>
-                                        <a:latin typeface="+mn-lt"/>
+                                        <a:latin typeface="Cambria Math" panose="02040503050406030204" pitchFamily="18" charset="0"/>
                                         <a:ea typeface="+mn-ea"/>
                                         <a:cs typeface="+mn-cs"/>
                                       </a:rPr>
@@ -3896,6 +4036,229 @@
                             <a:defRPr/>
                           </a:pPr>
                           <a:r>
+                            <a:rPr lang="en-US" sz="3400" kern="1200" baseline="0" dirty="0">
+                              <a:solidFill>
+                                <a:schemeClr val="tx1"/>
+                              </a:solidFill>
+                              <a:effectLst/>
+                              <a:latin typeface="+mn-lt"/>
+                              <a:ea typeface="+mn-ea"/>
+                              <a:cs typeface="Open Sans Hebrew" panose="00000500000000000000" pitchFamily="2" charset="-79"/>
+                            </a:rPr>
+                            <a:t>Our project can be described by the following diagram:</a:t>
+                          </a:r>
+                        </a:p>
+                        <a:p>
+                          <a:pPr marL="0" marR="0" lvl="0" indent="0" algn="l" defTabSz="2519995" rtl="0" eaLnBrk="1" fontAlgn="auto" latinLnBrk="0" hangingPunct="1">
+                            <a:lnSpc>
+                              <a:spcPct val="100000"/>
+                            </a:lnSpc>
+                            <a:spcBef>
+                              <a:spcPts val="0"/>
+                            </a:spcBef>
+                            <a:spcAft>
+                              <a:spcPts val="0"/>
+                            </a:spcAft>
+                            <a:buClrTx/>
+                            <a:buSzTx/>
+                            <a:buFontTx/>
+                            <a:buNone/>
+                            <a:tabLst/>
+                            <a:defRPr/>
+                          </a:pPr>
+                          <a:endParaRPr lang="en-US" sz="3400" kern="1200" baseline="0" dirty="0">
+                            <a:solidFill>
+                              <a:schemeClr val="tx1"/>
+                            </a:solidFill>
+                            <a:effectLst/>
+                            <a:latin typeface="+mn-lt"/>
+                            <a:ea typeface="+mn-ea"/>
+                            <a:cs typeface="Open Sans Hebrew" panose="00000500000000000000" pitchFamily="2" charset="-79"/>
+                          </a:endParaRPr>
+                        </a:p>
+                        <a:p>
+                          <a:pPr marL="0" marR="0" lvl="0" indent="0" algn="l" defTabSz="2519995" rtl="0" eaLnBrk="1" fontAlgn="auto" latinLnBrk="0" hangingPunct="1">
+                            <a:lnSpc>
+                              <a:spcPct val="100000"/>
+                            </a:lnSpc>
+                            <a:spcBef>
+                              <a:spcPts val="0"/>
+                            </a:spcBef>
+                            <a:spcAft>
+                              <a:spcPts val="0"/>
+                            </a:spcAft>
+                            <a:buClrTx/>
+                            <a:buSzTx/>
+                            <a:buFontTx/>
+                            <a:buNone/>
+                            <a:tabLst/>
+                            <a:defRPr/>
+                          </a:pPr>
+                          <a:endParaRPr lang="en-US" sz="3400" kern="1200" baseline="0" dirty="0">
+                            <a:solidFill>
+                              <a:schemeClr val="tx1"/>
+                            </a:solidFill>
+                            <a:effectLst/>
+                            <a:latin typeface="+mn-lt"/>
+                            <a:ea typeface="+mn-ea"/>
+                            <a:cs typeface="Open Sans Hebrew" panose="00000500000000000000" pitchFamily="2" charset="-79"/>
+                          </a:endParaRPr>
+                        </a:p>
+                        <a:p>
+                          <a:pPr marL="0" marR="0" lvl="0" indent="0" algn="l" defTabSz="2519995" rtl="0" eaLnBrk="1" fontAlgn="auto" latinLnBrk="0" hangingPunct="1">
+                            <a:lnSpc>
+                              <a:spcPct val="100000"/>
+                            </a:lnSpc>
+                            <a:spcBef>
+                              <a:spcPts val="0"/>
+                            </a:spcBef>
+                            <a:spcAft>
+                              <a:spcPts val="0"/>
+                            </a:spcAft>
+                            <a:buClrTx/>
+                            <a:buSzTx/>
+                            <a:buFontTx/>
+                            <a:buNone/>
+                            <a:tabLst/>
+                            <a:defRPr/>
+                          </a:pPr>
+                          <a:endParaRPr lang="en-US" sz="3400" kern="1200" baseline="0" dirty="0">
+                            <a:solidFill>
+                              <a:schemeClr val="tx1"/>
+                            </a:solidFill>
+                            <a:effectLst/>
+                            <a:latin typeface="+mn-lt"/>
+                            <a:ea typeface="+mn-ea"/>
+                            <a:cs typeface="Open Sans Hebrew" panose="00000500000000000000" pitchFamily="2" charset="-79"/>
+                          </a:endParaRPr>
+                        </a:p>
+                        <a:p>
+                          <a:pPr marL="0" marR="0" lvl="0" indent="0" algn="l" defTabSz="2519995" rtl="0" eaLnBrk="1" fontAlgn="auto" latinLnBrk="0" hangingPunct="1">
+                            <a:lnSpc>
+                              <a:spcPct val="100000"/>
+                            </a:lnSpc>
+                            <a:spcBef>
+                              <a:spcPts val="0"/>
+                            </a:spcBef>
+                            <a:spcAft>
+                              <a:spcPts val="0"/>
+                            </a:spcAft>
+                            <a:buClrTx/>
+                            <a:buSzTx/>
+                            <a:buFontTx/>
+                            <a:buNone/>
+                            <a:tabLst/>
+                            <a:defRPr/>
+                          </a:pPr>
+                          <a:endParaRPr lang="en-US" sz="3400" kern="1200" baseline="0" dirty="0">
+                            <a:solidFill>
+                              <a:schemeClr val="tx1"/>
+                            </a:solidFill>
+                            <a:effectLst/>
+                            <a:latin typeface="+mn-lt"/>
+                            <a:ea typeface="+mn-ea"/>
+                            <a:cs typeface="Open Sans Hebrew" panose="00000500000000000000" pitchFamily="2" charset="-79"/>
+                          </a:endParaRPr>
+                        </a:p>
+                        <a:p>
+                          <a:pPr marL="0" marR="0" lvl="0" indent="0" algn="l" defTabSz="2519995" rtl="0" eaLnBrk="1" fontAlgn="auto" latinLnBrk="0" hangingPunct="1">
+                            <a:lnSpc>
+                              <a:spcPct val="100000"/>
+                            </a:lnSpc>
+                            <a:spcBef>
+                              <a:spcPts val="0"/>
+                            </a:spcBef>
+                            <a:spcAft>
+                              <a:spcPts val="0"/>
+                            </a:spcAft>
+                            <a:buClrTx/>
+                            <a:buSzTx/>
+                            <a:buFontTx/>
+                            <a:buNone/>
+                            <a:tabLst/>
+                            <a:defRPr/>
+                          </a:pPr>
+                          <a:endParaRPr lang="en-US" sz="3400" kern="1200" baseline="0" dirty="0">
+                            <a:solidFill>
+                              <a:schemeClr val="tx1"/>
+                            </a:solidFill>
+                            <a:effectLst/>
+                            <a:latin typeface="+mn-lt"/>
+                            <a:ea typeface="+mn-ea"/>
+                            <a:cs typeface="Open Sans Hebrew" panose="00000500000000000000" pitchFamily="2" charset="-79"/>
+                          </a:endParaRPr>
+                        </a:p>
+                        <a:p>
+                          <a:pPr marL="0" marR="0" lvl="0" indent="0" algn="l" defTabSz="2519995" rtl="0" eaLnBrk="1" fontAlgn="auto" latinLnBrk="0" hangingPunct="1">
+                            <a:lnSpc>
+                              <a:spcPct val="100000"/>
+                            </a:lnSpc>
+                            <a:spcBef>
+                              <a:spcPts val="0"/>
+                            </a:spcBef>
+                            <a:spcAft>
+                              <a:spcPts val="0"/>
+                            </a:spcAft>
+                            <a:buClrTx/>
+                            <a:buSzTx/>
+                            <a:buFontTx/>
+                            <a:buNone/>
+                            <a:tabLst/>
+                            <a:defRPr/>
+                          </a:pPr>
+                          <a:endParaRPr lang="en-US" sz="3400" kern="1200" baseline="0" dirty="0">
+                            <a:solidFill>
+                              <a:schemeClr val="tx1"/>
+                            </a:solidFill>
+                            <a:effectLst/>
+                            <a:latin typeface="+mn-lt"/>
+                            <a:ea typeface="+mn-ea"/>
+                            <a:cs typeface="Open Sans Hebrew" panose="00000500000000000000" pitchFamily="2" charset="-79"/>
+                          </a:endParaRPr>
+                        </a:p>
+                        <a:p>
+                          <a:pPr marL="0" marR="0" lvl="0" indent="0" algn="l" defTabSz="2519995" rtl="0" eaLnBrk="1" fontAlgn="auto" latinLnBrk="0" hangingPunct="1">
+                            <a:lnSpc>
+                              <a:spcPct val="100000"/>
+                            </a:lnSpc>
+                            <a:spcBef>
+                              <a:spcPts val="0"/>
+                            </a:spcBef>
+                            <a:spcAft>
+                              <a:spcPts val="0"/>
+                            </a:spcAft>
+                            <a:buClrTx/>
+                            <a:buSzTx/>
+                            <a:buFontTx/>
+                            <a:buNone/>
+                            <a:tabLst/>
+                            <a:defRPr/>
+                          </a:pPr>
+                          <a:endParaRPr lang="en-US" sz="5400" b="1" baseline="0" dirty="0">
+                            <a:effectLst/>
+                            <a:latin typeface="+mn-lt"/>
+                            <a:cs typeface="Open Sans Hebrew" panose="00000500000000000000" pitchFamily="2" charset="-79"/>
+                          </a:endParaRPr>
+                        </a:p>
+                        <a:p>
+                          <a:pPr marL="0" marR="0" lvl="0" indent="0" algn="l" defTabSz="2519995" rtl="0" eaLnBrk="1" fontAlgn="auto" latinLnBrk="0" hangingPunct="1">
+                            <a:lnSpc>
+                              <a:spcPct val="100000"/>
+                            </a:lnSpc>
+                            <a:spcBef>
+                              <a:spcPts val="0"/>
+                            </a:spcBef>
+                            <a:spcAft>
+                              <a:spcPts val="0"/>
+                            </a:spcAft>
+                            <a:buClrTx/>
+                            <a:buSzTx/>
+                            <a:buFontTx/>
+                            <a:buNone/>
+                            <a:tabLst/>
+                            <a:defRPr/>
+                          </a:pPr>
+                          <a:r>
                             <a:rPr lang="en-US" sz="5400" b="1" baseline="0" dirty="0">
                               <a:effectLst/>
                               <a:latin typeface="+mn-lt"/>
@@ -3928,7 +4291,7 @@
                               <a:latin typeface="+mn-lt"/>
                               <a:cs typeface="Open Sans Hebrew" panose="00000500000000000000" pitchFamily="2" charset="-79"/>
                             </a:rPr>
-                            <a:t>An example of system power input:</a:t>
+                            <a:t>An example of input- system power:</a:t>
                           </a:r>
                         </a:p>
                         <a:p>
@@ -4050,41 +4413,17 @@
                             <a:defRPr/>
                           </a:pPr>
                           <a:r>
-                            <a:rPr lang="en-US" sz="3400" baseline="0" dirty="0">
+                            <a:rPr lang="en-US" sz="3400" kern="1200" baseline="0" dirty="0">
+                              <a:solidFill>
+                                <a:schemeClr val="tx1"/>
+                              </a:solidFill>
                               <a:effectLst/>
                               <a:latin typeface="+mn-lt"/>
+                              <a:ea typeface="+mn-ea"/>
                               <a:cs typeface="Open Sans Hebrew" panose="00000500000000000000" pitchFamily="2" charset="-79"/>
                             </a:rPr>
-                            <a:t>Matching system’s devices output:</a:t>
+                            <a:t>output- matching devices to events:</a:t>
                           </a:r>
-                        </a:p>
-                        <a:p>
-                          <a:pPr marL="0" marR="0" lvl="0" indent="0" algn="l" defTabSz="2519995" rtl="0" eaLnBrk="1" fontAlgn="auto" latinLnBrk="0" hangingPunct="1">
-                            <a:lnSpc>
-                              <a:spcPct val="100000"/>
-                            </a:lnSpc>
-                            <a:spcBef>
-                              <a:spcPts val="0"/>
-                            </a:spcBef>
-                            <a:spcAft>
-                              <a:spcPts val="0"/>
-                            </a:spcAft>
-                            <a:buClrTx/>
-                            <a:buSzTx/>
-                            <a:buFontTx/>
-                            <a:buNone/>
-                            <a:tabLst/>
-                            <a:defRPr/>
-                          </a:pPr>
-                          <a:endParaRPr lang="en-US" sz="3400" kern="1200" baseline="0" dirty="0">
-                            <a:solidFill>
-                              <a:schemeClr val="tx1"/>
-                            </a:solidFill>
-                            <a:effectLst/>
-                            <a:latin typeface="+mn-lt"/>
-                            <a:ea typeface="+mn-ea"/>
-                            <a:cs typeface="Open Sans Hebrew" panose="00000500000000000000" pitchFamily="2" charset="-79"/>
-                          </a:endParaRPr>
                         </a:p>
                         <a:p>
                           <a:pPr marL="0" marR="0" lvl="0" indent="0" algn="l" defTabSz="2519995" rtl="0" eaLnBrk="1" fontAlgn="auto" latinLnBrk="0" hangingPunct="1">
@@ -4385,7 +4724,7 @@
                             <a:defRPr/>
                           </a:pPr>
                           <a:r>
-                            <a:rPr lang="en-US" sz="3400" b="0" kern="1200" dirty="0" err="1">
+                            <a:rPr lang="en-US" sz="3400" b="0" kern="1200" dirty="0">
                               <a:solidFill>
                                 <a:schemeClr val="tx1"/>
                               </a:solidFill>
@@ -4394,17 +4733,39 @@
                               <a:ea typeface="+mn-ea"/>
                               <a:cs typeface="Open Sans Hebrew" panose="00000500000000000000" pitchFamily="2" charset="-79"/>
                             </a:rPr>
-                            <a:t>asas</a:t>
+                            <a:t> </a:t>
                           </a:r>
-                          <a:endParaRPr lang="en-US" sz="3400" b="0" kern="1200" dirty="0">
-                            <a:solidFill>
-                              <a:schemeClr val="tx1"/>
-                            </a:solidFill>
-                            <a:effectLst/>
-                            <a:latin typeface="+mn-lt"/>
-                            <a:ea typeface="+mn-ea"/>
-                            <a:cs typeface="Open Sans Hebrew" panose="00000500000000000000" pitchFamily="2" charset="-79"/>
-                          </a:endParaRPr>
+                        </a:p>
+                        <a:p>
+                          <a:pPr marL="0" marR="0" lvl="0" indent="0" algn="l" defTabSz="2519995" rtl="0" eaLnBrk="1" fontAlgn="auto" latinLnBrk="0" hangingPunct="1">
+                            <a:lnSpc>
+                              <a:spcPct val="100000"/>
+                            </a:lnSpc>
+                            <a:spcBef>
+                              <a:spcPts val="0"/>
+                            </a:spcBef>
+                            <a:spcAft>
+                              <a:spcPts val="0"/>
+                            </a:spcAft>
+                            <a:buClrTx/>
+                            <a:buSzTx/>
+                            <a:buFontTx/>
+                            <a:buNone/>
+                            <a:tabLst/>
+                            <a:defRPr/>
+                          </a:pPr>
+                          <a:r>
+                            <a:rPr lang="en-US" sz="3400" b="0" kern="1200" dirty="0">
+                              <a:solidFill>
+                                <a:schemeClr val="tx1"/>
+                              </a:solidFill>
+                              <a:effectLst/>
+                              <a:latin typeface="+mn-lt"/>
+                              <a:ea typeface="+mn-ea"/>
+                              <a:cs typeface="Open Sans Hebrew" panose="00000500000000000000" pitchFamily="2" charset="-79"/>
+                            </a:rPr>
+                            <a:t>Screenshots of the app:</a:t>
+                          </a:r>
                         </a:p>
                         <a:p>
                           <a:pPr marL="0" marR="0" lvl="0" indent="0" algn="l" defTabSz="2519995" rtl="0" eaLnBrk="1" fontAlgn="auto" latinLnBrk="0" hangingPunct="1">
@@ -4537,6 +4898,146 @@
                             <a:defRPr/>
                           </a:pPr>
                           <a:endParaRPr lang="en-US" sz="3400" b="1" kern="1200" dirty="0">
+                            <a:solidFill>
+                              <a:schemeClr val="tx1"/>
+                            </a:solidFill>
+                            <a:effectLst/>
+                            <a:latin typeface="+mn-lt"/>
+                            <a:ea typeface="+mn-ea"/>
+                            <a:cs typeface="Open Sans Hebrew" panose="00000500000000000000" pitchFamily="2" charset="-79"/>
+                          </a:endParaRPr>
+                        </a:p>
+                        <a:p>
+                          <a:pPr marL="0" marR="0" lvl="0" indent="0" algn="l" defTabSz="2519995" rtl="0" eaLnBrk="1" fontAlgn="auto" latinLnBrk="0" hangingPunct="1">
+                            <a:lnSpc>
+                              <a:spcPct val="100000"/>
+                            </a:lnSpc>
+                            <a:spcBef>
+                              <a:spcPts val="0"/>
+                            </a:spcBef>
+                            <a:spcAft>
+                              <a:spcPts val="0"/>
+                            </a:spcAft>
+                            <a:buClrTx/>
+                            <a:buSzTx/>
+                            <a:buFontTx/>
+                            <a:buNone/>
+                            <a:tabLst/>
+                            <a:defRPr/>
+                          </a:pPr>
+                          <a:endParaRPr lang="en-US" sz="5400" b="1" kern="1200" dirty="0">
+                            <a:solidFill>
+                              <a:schemeClr val="tx1"/>
+                            </a:solidFill>
+                            <a:effectLst/>
+                            <a:latin typeface="+mn-lt"/>
+                            <a:ea typeface="+mn-ea"/>
+                            <a:cs typeface="Open Sans Hebrew" panose="00000500000000000000" pitchFamily="2" charset="-79"/>
+                          </a:endParaRPr>
+                        </a:p>
+                        <a:p>
+                          <a:pPr marL="0" marR="0" lvl="0" indent="0" algn="l" defTabSz="2519995" rtl="0" eaLnBrk="1" fontAlgn="auto" latinLnBrk="0" hangingPunct="1">
+                            <a:lnSpc>
+                              <a:spcPct val="100000"/>
+                            </a:lnSpc>
+                            <a:spcBef>
+                              <a:spcPts val="0"/>
+                            </a:spcBef>
+                            <a:spcAft>
+                              <a:spcPts val="0"/>
+                            </a:spcAft>
+                            <a:buClrTx/>
+                            <a:buSzTx/>
+                            <a:buFontTx/>
+                            <a:buNone/>
+                            <a:tabLst/>
+                            <a:defRPr/>
+                          </a:pPr>
+                          <a:endParaRPr lang="he-IL" sz="5400" b="1" kern="1200" dirty="0">
+                            <a:solidFill>
+                              <a:schemeClr val="tx1"/>
+                            </a:solidFill>
+                            <a:effectLst/>
+                            <a:latin typeface="+mn-lt"/>
+                            <a:ea typeface="+mn-ea"/>
+                            <a:cs typeface="Open Sans Hebrew" panose="00000500000000000000" pitchFamily="2" charset="-79"/>
+                          </a:endParaRPr>
+                        </a:p>
+                        <a:p>
+                          <a:pPr marL="0" marR="0" lvl="0" indent="0" algn="l" defTabSz="2519995" rtl="0" eaLnBrk="1" fontAlgn="auto" latinLnBrk="0" hangingPunct="1">
+                            <a:lnSpc>
+                              <a:spcPct val="100000"/>
+                            </a:lnSpc>
+                            <a:spcBef>
+                              <a:spcPts val="0"/>
+                            </a:spcBef>
+                            <a:spcAft>
+                              <a:spcPts val="0"/>
+                            </a:spcAft>
+                            <a:buClrTx/>
+                            <a:buSzTx/>
+                            <a:buFontTx/>
+                            <a:buNone/>
+                            <a:tabLst/>
+                            <a:defRPr/>
+                          </a:pPr>
+                          <a:endParaRPr lang="he-IL" sz="5400" b="1" kern="1200" dirty="0">
+                            <a:solidFill>
+                              <a:schemeClr val="tx1"/>
+                            </a:solidFill>
+                            <a:effectLst/>
+                            <a:latin typeface="+mn-lt"/>
+                            <a:ea typeface="+mn-ea"/>
+                            <a:cs typeface="Open Sans Hebrew" panose="00000500000000000000" pitchFamily="2" charset="-79"/>
+                          </a:endParaRPr>
+                        </a:p>
+                        <a:p>
+                          <a:pPr marL="0" marR="0" lvl="0" indent="0" algn="l" defTabSz="2519995" rtl="0" eaLnBrk="1" fontAlgn="auto" latinLnBrk="0" hangingPunct="1">
+                            <a:lnSpc>
+                              <a:spcPct val="100000"/>
+                            </a:lnSpc>
+                            <a:spcBef>
+                              <a:spcPts val="0"/>
+                            </a:spcBef>
+                            <a:spcAft>
+                              <a:spcPts val="0"/>
+                            </a:spcAft>
+                            <a:buClrTx/>
+                            <a:buSzTx/>
+                            <a:buFontTx/>
+                            <a:buNone/>
+                            <a:tabLst/>
+                            <a:defRPr/>
+                          </a:pPr>
+                          <a:endParaRPr lang="he-IL" sz="5400" b="1" kern="1200" dirty="0">
+                            <a:solidFill>
+                              <a:schemeClr val="tx1"/>
+                            </a:solidFill>
+                            <a:effectLst/>
+                            <a:latin typeface="+mn-lt"/>
+                            <a:ea typeface="+mn-ea"/>
+                            <a:cs typeface="Open Sans Hebrew" panose="00000500000000000000" pitchFamily="2" charset="-79"/>
+                          </a:endParaRPr>
+                        </a:p>
+                        <a:p>
+                          <a:pPr marL="0" marR="0" lvl="0" indent="0" algn="l" defTabSz="2519995" rtl="0" eaLnBrk="1" fontAlgn="auto" latinLnBrk="0" hangingPunct="1">
+                            <a:lnSpc>
+                              <a:spcPct val="100000"/>
+                            </a:lnSpc>
+                            <a:spcBef>
+                              <a:spcPts val="0"/>
+                            </a:spcBef>
+                            <a:spcAft>
+                              <a:spcPts val="0"/>
+                            </a:spcAft>
+                            <a:buClrTx/>
+                            <a:buSzTx/>
+                            <a:buFontTx/>
+                            <a:buNone/>
+                            <a:tabLst/>
+                            <a:defRPr/>
+                          </a:pPr>
+                          <a:endParaRPr lang="he-IL" sz="5400" b="1" kern="1200" dirty="0">
                             <a:solidFill>
                               <a:schemeClr val="tx1"/>
                             </a:solidFill>
@@ -4691,6 +5192,116 @@
                             </a:rPr>
                             <a:t>-</a:t>
                           </a:r>
+                          <a:r>
+                            <a:rPr lang="en-US" sz="3400" kern="1200" dirty="0">
+                              <a:solidFill>
+                                <a:schemeClr val="tx1"/>
+                              </a:solidFill>
+                              <a:effectLst/>
+                              <a:latin typeface="+mn-lt"/>
+                              <a:ea typeface="+mn-ea"/>
+                              <a:cs typeface="+mn-cs"/>
+                            </a:rPr>
+                            <a:t>[1] Jorge </a:t>
+                          </a:r>
+                          <a:r>
+                            <a:rPr lang="en-US" sz="3400" kern="1200" dirty="0" err="1">
+                              <a:solidFill>
+                                <a:schemeClr val="tx1"/>
+                              </a:solidFill>
+                              <a:effectLst/>
+                              <a:latin typeface="+mn-lt"/>
+                              <a:ea typeface="+mn-ea"/>
+                              <a:cs typeface="+mn-cs"/>
+                            </a:rPr>
+                            <a:t>Revuelta</a:t>
+                          </a:r>
+                          <a:r>
+                            <a:rPr lang="en-US" sz="3400" kern="1200" dirty="0">
+                              <a:solidFill>
+                                <a:schemeClr val="tx1"/>
+                              </a:solidFill>
+                              <a:effectLst/>
+                              <a:latin typeface="+mn-lt"/>
+                              <a:ea typeface="+mn-ea"/>
+                              <a:cs typeface="+mn-cs"/>
+                            </a:rPr>
+                            <a:t> Herrero, Alvaro Lozano </a:t>
+                          </a:r>
+                          <a:r>
+                            <a:rPr lang="en-US" sz="3400" kern="1200" dirty="0" err="1">
+                              <a:solidFill>
+                                <a:schemeClr val="tx1"/>
+                              </a:solidFill>
+                              <a:effectLst/>
+                              <a:latin typeface="+mn-lt"/>
+                              <a:ea typeface="+mn-ea"/>
+                              <a:cs typeface="+mn-cs"/>
+                            </a:rPr>
+                            <a:t>Murciego</a:t>
+                          </a:r>
+                          <a:r>
+                            <a:rPr lang="en-US" sz="3400" kern="1200" dirty="0">
+                              <a:solidFill>
+                                <a:schemeClr val="tx1"/>
+                              </a:solidFill>
+                              <a:effectLst/>
+                              <a:latin typeface="+mn-lt"/>
+                              <a:ea typeface="+mn-ea"/>
+                              <a:cs typeface="+mn-cs"/>
+                            </a:rPr>
+                            <a:t>, et al: Non Intrusive Monitoring (NILM): A State of the Art (2017): </a:t>
+                          </a:r>
+                          <a:r>
+                            <a:rPr lang="en-US" sz="3400" u="sng" kern="1200" dirty="0">
+                              <a:solidFill>
+                                <a:schemeClr val="tx1"/>
+                              </a:solidFill>
+                              <a:effectLst/>
+                              <a:latin typeface="+mn-lt"/>
+                              <a:ea typeface="+mn-ea"/>
+                              <a:cs typeface="+mn-cs"/>
+                              <a:hlinkClick r:id="rId2"/>
+                            </a:rPr>
+                            <a:t>https://www.researchgate.net/publication/318510754_Non_Intrusive_Load_Monitoring_NILM_A_State_of_the_Art</a:t>
+                          </a:r>
+                          <a:endParaRPr lang="en-US" sz="3400" kern="1200" dirty="0">
+                            <a:solidFill>
+                              <a:schemeClr val="tx1"/>
+                            </a:solidFill>
+                            <a:effectLst/>
+                            <a:latin typeface="+mn-lt"/>
+                            <a:ea typeface="+mn-ea"/>
+                            <a:cs typeface="+mn-cs"/>
+                          </a:endParaRPr>
+                        </a:p>
+                        <a:p>
+                          <a:pPr marL="0" marR="0" lvl="0" indent="0" algn="l" defTabSz="2519995" rtl="0" eaLnBrk="1" fontAlgn="auto" latinLnBrk="0" hangingPunct="1">
+                            <a:lnSpc>
+                              <a:spcPct val="100000"/>
+                            </a:lnSpc>
+                            <a:spcBef>
+                              <a:spcPts val="0"/>
+                            </a:spcBef>
+                            <a:spcAft>
+                              <a:spcPts val="0"/>
+                            </a:spcAft>
+                            <a:buClrTx/>
+                            <a:buSzTx/>
+                            <a:buFontTx/>
+                            <a:buNone/>
+                            <a:tabLst/>
+                            <a:defRPr/>
+                          </a:pPr>
+                          <a:endParaRPr lang="en-US" sz="1000" kern="1200" dirty="0">
+                            <a:solidFill>
+                              <a:schemeClr val="tx1"/>
+                            </a:solidFill>
+                            <a:effectLst/>
+                            <a:latin typeface="+mn-lt"/>
+                            <a:ea typeface="+mn-ea"/>
+                            <a:cs typeface="Open Sans Hebrew" panose="00000500000000000000" pitchFamily="2" charset="-79"/>
+                          </a:endParaRPr>
                         </a:p>
                         <a:p>
                           <a:pPr marL="0" marR="0" lvl="0" indent="0" algn="l" defTabSz="2519995" rtl="0" eaLnBrk="1" fontAlgn="auto" latinLnBrk="0" hangingPunct="1">
@@ -4777,14 +5388,14 @@
               <p:nvPr>
                 <p:extLst>
                   <p:ext uri="{D42A27DB-BD31-4B8C-83A1-F6EECF244321}">
-                    <p14:modId xmlns:p14="http://schemas.microsoft.com/office/powerpoint/2010/main" val="907951635"/>
+                    <p14:modId xmlns:p14="http://schemas.microsoft.com/office/powerpoint/2010/main" val="773529503"/>
                   </p:ext>
                 </p:extLst>
               </p:nvPr>
             </p:nvGraphicFramePr>
             <p:xfrm>
-              <a:off x="384740" y="3698810"/>
-              <a:ext cx="35185420" cy="20868070"/>
+              <a:off x="342900" y="3602558"/>
+              <a:ext cx="35227260" cy="21762720"/>
             </p:xfrm>
             <a:graphic>
               <a:graphicData uri="http://schemas.openxmlformats.org/drawingml/2006/table">
@@ -4793,7 +5404,7 @@
                     <a:tableStyleId>{2D5ABB26-0587-4C30-8999-92F81FD0307C}</a:tableStyleId>
                   </a:tblPr>
                   <a:tblGrid>
-                    <a:gridCol w="11746393">
+                    <a:gridCol w="11788233">
                       <a:extLst>
                         <a:ext uri="{9D8B030D-6E8A-4147-A177-3AD203B41FA5}">
                           <a16:colId xmlns:a16="http://schemas.microsoft.com/office/drawing/2014/main" val="20000"/>
@@ -4815,7 +5426,7 @@
                       </a:extLst>
                     </a:gridCol>
                   </a:tblGrid>
-                  <a:tr h="20868070">
+                  <a:tr h="21762720">
                     <a:tc>
                       <a:txBody>
                         <a:bodyPr/>
@@ -4906,67 +5517,8 @@
                               <a:ea typeface="+mn-ea"/>
                               <a:cs typeface="Open Sans Hebrew" panose="00000500000000000000" pitchFamily="2" charset="-79"/>
                             </a:rPr>
-                            <a:t>There are 2 ways to monitor the loads in one’s grid: ILM (Intrusive load monitoring)  and NILM (non-intrusive load monitoring). The former is the idea of using metering device for each load, which is expensive and hard to maintain, while the latter is the concept of using a single meter to monitoring simultaneously the entire grid’s loads.</a:t>
+                            <a:t>There are 2 ways to monitor the loads in one’s grid: ILM (Intrusive load monitoring)  and NILM (non-intrusive load monitoring). The former is the idea of using metering device for each load, which is expensive and hard to maintain, while the latter is the concept of using a single meter to monitoring simultaneously the entire grid’s loads.[1]</a:t>
                           </a:r>
-                        </a:p>
-                        <a:p>
-                          <a:pPr marL="0" marR="0" lvl="0" indent="0" algn="l" defTabSz="2519995" rtl="0" eaLnBrk="1" fontAlgn="auto" latinLnBrk="0" hangingPunct="1">
-                            <a:lnSpc>
-                              <a:spcPct val="100000"/>
-                            </a:lnSpc>
-                            <a:spcBef>
-                              <a:spcPts val="0"/>
-                            </a:spcBef>
-                            <a:spcAft>
-                              <a:spcPts val="0"/>
-                            </a:spcAft>
-                            <a:buClrTx/>
-                            <a:buSzTx/>
-                            <a:buFont typeface="Arial" panose="020B0604020202020204" pitchFamily="34" charset="0"/>
-                            <a:buNone/>
-                            <a:tabLst/>
-                            <a:defRPr/>
-                          </a:pPr>
-                          <a:r>
-                            <a:rPr lang="en-US" sz="3400" b="0" kern="1200" dirty="0">
-                              <a:solidFill>
-                                <a:srgbClr val="FF0000"/>
-                              </a:solidFill>
-                              <a:effectLst/>
-                              <a:latin typeface="+mn-lt"/>
-                              <a:ea typeface="+mn-ea"/>
-                              <a:cs typeface="Open Sans Hebrew" panose="00000500000000000000" pitchFamily="2" charset="-79"/>
-                            </a:rPr>
-                            <a:t>More?</a:t>
-                          </a:r>
-                        </a:p>
-                        <a:p>
-                          <a:pPr marL="0" marR="0" lvl="0" indent="0" algn="l" defTabSz="2519995" rtl="0" eaLnBrk="1" fontAlgn="auto" latinLnBrk="0" hangingPunct="1">
-                            <a:lnSpc>
-                              <a:spcPct val="100000"/>
-                            </a:lnSpc>
-                            <a:spcBef>
-                              <a:spcPts val="0"/>
-                            </a:spcBef>
-                            <a:spcAft>
-                              <a:spcPts val="0"/>
-                            </a:spcAft>
-                            <a:buClrTx/>
-                            <a:buSzTx/>
-                            <a:buFont typeface="Arial" panose="020B0604020202020204" pitchFamily="34" charset="0"/>
-                            <a:buNone/>
-                            <a:tabLst/>
-                            <a:defRPr/>
-                          </a:pPr>
-                          <a:endParaRPr lang="en-US" sz="3400" b="0" kern="1200" dirty="0">
-                            <a:solidFill>
-                              <a:schemeClr val="tx1"/>
-                            </a:solidFill>
-                            <a:effectLst/>
-                            <a:latin typeface="+mn-lt"/>
-                            <a:ea typeface="+mn-ea"/>
-                            <a:cs typeface="Open Sans Hebrew" panose="00000500000000000000" pitchFamily="2" charset="-79"/>
-                          </a:endParaRPr>
                         </a:p>
                         <a:p>
                           <a:pPr marL="0" marR="0" lvl="0" indent="0" algn="l" defTabSz="2519995" rtl="0" eaLnBrk="1" fontAlgn="auto" latinLnBrk="0" hangingPunct="1">
@@ -5046,7 +5598,7 @@
                             <a:defRPr/>
                           </a:pPr>
                           <a:r>
-                            <a:rPr lang="en-US" sz="3400" kern="1200" dirty="0">
+                            <a:rPr lang="en-US" sz="3400" b="0" kern="1200" dirty="0">
                               <a:solidFill>
                                 <a:schemeClr val="tx1"/>
                               </a:solidFill>
@@ -5055,8 +5607,268 @@
                               <a:ea typeface="+mn-ea"/>
                               <a:cs typeface="Open Sans Hebrew" panose="00000500000000000000" pitchFamily="2" charset="-79"/>
                             </a:rPr>
-                            <a:t>-</a:t>
+                            <a:t>By giving the average consumer an easy way to access the data gathered in NILM, one may hope it will encourage him to act in an energy saving behavior and help him save money. </a:t>
                           </a:r>
+                        </a:p>
+                        <a:p>
+                          <a:pPr marL="0" marR="0" lvl="0" indent="0" algn="l" defTabSz="2519995" rtl="0" eaLnBrk="1" fontAlgn="auto" latinLnBrk="0" hangingPunct="1">
+                            <a:lnSpc>
+                              <a:spcPct val="100000"/>
+                            </a:lnSpc>
+                            <a:spcBef>
+                              <a:spcPts val="0"/>
+                            </a:spcBef>
+                            <a:spcAft>
+                              <a:spcPts val="0"/>
+                            </a:spcAft>
+                            <a:buClrTx/>
+                            <a:buSzTx/>
+                            <a:buFontTx/>
+                            <a:buNone/>
+                            <a:tabLst/>
+                            <a:defRPr/>
+                          </a:pPr>
+                          <a:r>
+                            <a:rPr lang="en-US" sz="3400" b="0" kern="1200" dirty="0">
+                              <a:solidFill>
+                                <a:schemeClr val="tx1"/>
+                              </a:solidFill>
+                              <a:effectLst/>
+                              <a:latin typeface="+mn-lt"/>
+                              <a:ea typeface="+mn-ea"/>
+                              <a:cs typeface="Open Sans Hebrew" panose="00000500000000000000" pitchFamily="2" charset="-79"/>
+                            </a:rPr>
+                            <a:t>In order to achieve this goal:</a:t>
+                          </a:r>
+                        </a:p>
+                        <a:p>
+                          <a:pPr marL="457200" marR="0" lvl="0" indent="-457200" algn="l" defTabSz="2519995" rtl="0" eaLnBrk="1" fontAlgn="auto" latinLnBrk="0" hangingPunct="1">
+                            <a:lnSpc>
+                              <a:spcPct val="100000"/>
+                            </a:lnSpc>
+                            <a:spcBef>
+                              <a:spcPts val="0"/>
+                            </a:spcBef>
+                            <a:spcAft>
+                              <a:spcPts val="0"/>
+                            </a:spcAft>
+                            <a:buClrTx/>
+                            <a:buSzTx/>
+                            <a:buFont typeface="Arial" panose="020B0604020202020204" pitchFamily="34" charset="0"/>
+                            <a:buChar char="•"/>
+                            <a:tabLst/>
+                            <a:defRPr/>
+                          </a:pPr>
+                          <a:r>
+                            <a:rPr lang="en-US" sz="3400" b="0" kern="1200" dirty="0">
+                              <a:solidFill>
+                                <a:schemeClr val="tx1"/>
+                              </a:solidFill>
+                              <a:effectLst/>
+                              <a:latin typeface="+mn-lt"/>
+                              <a:ea typeface="+mn-ea"/>
+                              <a:cs typeface="Open Sans Hebrew" panose="00000500000000000000" pitchFamily="2" charset="-79"/>
+                            </a:rPr>
+                            <a:t>We developed a NILM algorithm.</a:t>
+                          </a:r>
+                        </a:p>
+                        <a:p>
+                          <a:pPr marL="457200" marR="0" lvl="0" indent="-457200" algn="l" defTabSz="2519995" rtl="0" eaLnBrk="1" fontAlgn="auto" latinLnBrk="0" hangingPunct="1">
+                            <a:lnSpc>
+                              <a:spcPct val="100000"/>
+                            </a:lnSpc>
+                            <a:spcBef>
+                              <a:spcPts val="0"/>
+                            </a:spcBef>
+                            <a:spcAft>
+                              <a:spcPts val="0"/>
+                            </a:spcAft>
+                            <a:buClrTx/>
+                            <a:buSzTx/>
+                            <a:buFont typeface="Arial" panose="020B0604020202020204" pitchFamily="34" charset="0"/>
+                            <a:buChar char="•"/>
+                            <a:tabLst/>
+                            <a:defRPr/>
+                          </a:pPr>
+                          <a:r>
+                            <a:rPr lang="en-US" sz="3400" b="0" kern="1200" dirty="0">
+                              <a:solidFill>
+                                <a:schemeClr val="tx1"/>
+                              </a:solidFill>
+                              <a:effectLst/>
+                              <a:latin typeface="+mn-lt"/>
+                              <a:ea typeface="+mn-ea"/>
+                              <a:cs typeface="Open Sans Hebrew" panose="00000500000000000000" pitchFamily="2" charset="-79"/>
+                            </a:rPr>
+                            <a:t>We developed a friendly user interface (an android phone app).</a:t>
+                          </a:r>
+                        </a:p>
+                        <a:p>
+                          <a:pPr marL="0" marR="0" lvl="0" indent="0" algn="l" defTabSz="2519995" rtl="0" eaLnBrk="1" fontAlgn="auto" latinLnBrk="0" hangingPunct="1">
+                            <a:lnSpc>
+                              <a:spcPct val="100000"/>
+                            </a:lnSpc>
+                            <a:spcBef>
+                              <a:spcPts val="0"/>
+                            </a:spcBef>
+                            <a:spcAft>
+                              <a:spcPts val="0"/>
+                            </a:spcAft>
+                            <a:buClrTx/>
+                            <a:buSzTx/>
+                            <a:buFontTx/>
+                            <a:buNone/>
+                            <a:tabLst/>
+                            <a:defRPr/>
+                          </a:pPr>
+                          <a:endParaRPr lang="en-US" sz="3400" b="0" kern="1200" dirty="0">
+                            <a:solidFill>
+                              <a:schemeClr val="tx1"/>
+                            </a:solidFill>
+                            <a:effectLst/>
+                            <a:highlight>
+                              <a:srgbClr val="FFFF00"/>
+                            </a:highlight>
+                            <a:latin typeface="+mn-lt"/>
+                            <a:ea typeface="+mn-ea"/>
+                            <a:cs typeface="Open Sans Hebrew" panose="00000500000000000000" pitchFamily="2" charset="-79"/>
+                          </a:endParaRPr>
+                        </a:p>
+                        <a:p>
+                          <a:pPr marL="0" marR="0" lvl="0" indent="0" algn="l" defTabSz="2519995" rtl="0" eaLnBrk="1" fontAlgn="auto" latinLnBrk="0" hangingPunct="1">
+                            <a:lnSpc>
+                              <a:spcPct val="100000"/>
+                            </a:lnSpc>
+                            <a:spcBef>
+                              <a:spcPts val="0"/>
+                            </a:spcBef>
+                            <a:spcAft>
+                              <a:spcPts val="0"/>
+                            </a:spcAft>
+                            <a:buClrTx/>
+                            <a:buSzTx/>
+                            <a:buFontTx/>
+                            <a:buNone/>
+                            <a:tabLst/>
+                            <a:defRPr/>
+                          </a:pPr>
+                          <a:r>
+                            <a:rPr lang="en-US" sz="5400" b="1" kern="1200" dirty="0">
+                              <a:solidFill>
+                                <a:schemeClr val="tx1"/>
+                              </a:solidFill>
+                              <a:effectLst/>
+                              <a:latin typeface="+mn-lt"/>
+                              <a:ea typeface="+mn-ea"/>
+                              <a:cs typeface="Open Sans Hebrew" panose="00000500000000000000" pitchFamily="2" charset="-79"/>
+                            </a:rPr>
+                            <a:t>Methods/Implementation</a:t>
+                          </a:r>
+                        </a:p>
+                        <a:p>
+                          <a:pPr marL="0" marR="0" lvl="0" indent="0" algn="l" defTabSz="2519995" rtl="0" eaLnBrk="1" fontAlgn="auto" latinLnBrk="0" hangingPunct="1">
+                            <a:lnSpc>
+                              <a:spcPct val="100000"/>
+                            </a:lnSpc>
+                            <a:spcBef>
+                              <a:spcPts val="0"/>
+                            </a:spcBef>
+                            <a:spcAft>
+                              <a:spcPts val="0"/>
+                            </a:spcAft>
+                            <a:buClrTx/>
+                            <a:buSzTx/>
+                            <a:buFontTx/>
+                            <a:buNone/>
+                            <a:tabLst/>
+                            <a:defRPr/>
+                          </a:pPr>
+                          <a:r>
+                            <a:rPr lang="en-US" sz="3400" b="0" kern="1200" dirty="0">
+                              <a:solidFill>
+                                <a:schemeClr val="tx1"/>
+                              </a:solidFill>
+                              <a:effectLst/>
+                              <a:latin typeface="+mn-lt"/>
+                              <a:ea typeface="+mn-ea"/>
+                              <a:cs typeface="Open Sans Hebrew" panose="00000500000000000000" pitchFamily="2" charset="-79"/>
+                            </a:rPr>
+                            <a:t>Our solution to the problem can easily described by 2 phases: In the first our goal was to detect events in the grid (</a:t>
+                          </a:r>
+                          <a:r>
+                            <a:rPr lang="en-US" sz="3400" b="0" kern="1200" dirty="0" err="1">
+                              <a:solidFill>
+                                <a:schemeClr val="tx1"/>
+                              </a:solidFill>
+                              <a:effectLst/>
+                              <a:latin typeface="+mn-lt"/>
+                              <a:ea typeface="+mn-ea"/>
+                              <a:cs typeface="Open Sans Hebrew" panose="00000500000000000000" pitchFamily="2" charset="-79"/>
+                            </a:rPr>
+                            <a:t>i.e</a:t>
+                          </a:r>
+                          <a:r>
+                            <a:rPr lang="en-US" sz="3400" b="0" kern="1200" dirty="0">
+                              <a:solidFill>
+                                <a:schemeClr val="tx1"/>
+                              </a:solidFill>
+                              <a:effectLst/>
+                              <a:latin typeface="+mn-lt"/>
+                              <a:ea typeface="+mn-ea"/>
+                              <a:cs typeface="Open Sans Hebrew" panose="00000500000000000000" pitchFamily="2" charset="-79"/>
+                            </a:rPr>
+                            <a:t> when a device connects or disconnects) and in the second it was to recognize what device is connected to the event.</a:t>
+                          </a:r>
+                        </a:p>
+                        <a:p>
+                          <a:pPr marL="0" marR="0" lvl="0" indent="0" algn="l" defTabSz="2519995" rtl="0" eaLnBrk="1" fontAlgn="auto" latinLnBrk="0" hangingPunct="1">
+                            <a:lnSpc>
+                              <a:spcPct val="100000"/>
+                            </a:lnSpc>
+                            <a:spcBef>
+                              <a:spcPts val="0"/>
+                            </a:spcBef>
+                            <a:spcAft>
+                              <a:spcPts val="0"/>
+                            </a:spcAft>
+                            <a:buClrTx/>
+                            <a:buSzTx/>
+                            <a:buFontTx/>
+                            <a:buNone/>
+                            <a:tabLst/>
+                            <a:defRPr/>
+                          </a:pPr>
+                          <a:r>
+                            <a:rPr lang="en-US" sz="3400" b="0" kern="1200" dirty="0">
+                              <a:solidFill>
+                                <a:schemeClr val="tx1"/>
+                              </a:solidFill>
+                              <a:effectLst/>
+                              <a:latin typeface="+mn-lt"/>
+                              <a:ea typeface="+mn-ea"/>
+                              <a:cs typeface="Open Sans Hebrew" panose="00000500000000000000" pitchFamily="2" charset="-79"/>
+                            </a:rPr>
+                            <a:t>The event detection was implemented by calculating differences in power, then connecting positive gradient to negative gradient, and by such defining an event in our grid.</a:t>
+                          </a:r>
+                        </a:p>
+                        <a:p>
+                          <a:pPr marL="0" marR="0" lvl="0" indent="0" algn="l" defTabSz="2519995" rtl="0" eaLnBrk="1" fontAlgn="auto" latinLnBrk="0" hangingPunct="1">
+                            <a:lnSpc>
+                              <a:spcPct val="100000"/>
+                            </a:lnSpc>
+                            <a:spcBef>
+                              <a:spcPts val="0"/>
+                            </a:spcBef>
+                            <a:spcAft>
+                              <a:spcPts val="0"/>
+                            </a:spcAft>
+                            <a:buClrTx/>
+                            <a:buSzTx/>
+                            <a:buFontTx/>
+                            <a:buNone/>
+                            <a:tabLst/>
+                            <a:defRPr/>
+                          </a:pPr>
                           <a:endParaRPr lang="en-US" sz="3400" baseline="0" dirty="0">
                             <a:effectLst/>
                             <a:latin typeface="+mn-lt"/>
@@ -5149,9 +5961,9 @@
                           <a:prstDash val="solid"/>
                         </a:lnBlToTr>
                         <a:blipFill>
-                          <a:blip r:embed="rId2"/>
+                          <a:blip r:embed="rId3"/>
                           <a:stretch>
-                            <a:fillRect l="-100104" t="-350" r="-99740"/>
+                            <a:fillRect l="-100468" t="-336" r="-99740"/>
                           </a:stretch>
                         </a:blipFill>
                       </a:tcPr>
@@ -5179,41 +5991,17 @@
                             <a:defRPr/>
                           </a:pPr>
                           <a:r>
-                            <a:rPr lang="en-US" sz="3400" baseline="0" dirty="0">
+                            <a:rPr lang="en-US" sz="3400" kern="1200" baseline="0" dirty="0">
+                              <a:solidFill>
+                                <a:schemeClr val="tx1"/>
+                              </a:solidFill>
                               <a:effectLst/>
                               <a:latin typeface="+mn-lt"/>
+                              <a:ea typeface="+mn-ea"/>
                               <a:cs typeface="Open Sans Hebrew" panose="00000500000000000000" pitchFamily="2" charset="-79"/>
                             </a:rPr>
-                            <a:t>Matching system’s devices output:</a:t>
+                            <a:t>output- matching devices to events:</a:t>
                           </a:r>
-                        </a:p>
-                        <a:p>
-                          <a:pPr marL="0" marR="0" lvl="0" indent="0" algn="l" defTabSz="2519995" rtl="0" eaLnBrk="1" fontAlgn="auto" latinLnBrk="0" hangingPunct="1">
-                            <a:lnSpc>
-                              <a:spcPct val="100000"/>
-                            </a:lnSpc>
-                            <a:spcBef>
-                              <a:spcPts val="0"/>
-                            </a:spcBef>
-                            <a:spcAft>
-                              <a:spcPts val="0"/>
-                            </a:spcAft>
-                            <a:buClrTx/>
-                            <a:buSzTx/>
-                            <a:buFontTx/>
-                            <a:buNone/>
-                            <a:tabLst/>
-                            <a:defRPr/>
-                          </a:pPr>
-                          <a:endParaRPr lang="en-US" sz="3400" kern="1200" baseline="0" dirty="0">
-                            <a:solidFill>
-                              <a:schemeClr val="tx1"/>
-                            </a:solidFill>
-                            <a:effectLst/>
-                            <a:latin typeface="+mn-lt"/>
-                            <a:ea typeface="+mn-ea"/>
-                            <a:cs typeface="Open Sans Hebrew" panose="00000500000000000000" pitchFamily="2" charset="-79"/>
-                          </a:endParaRPr>
                         </a:p>
                         <a:p>
                           <a:pPr marL="0" marR="0" lvl="0" indent="0" algn="l" defTabSz="2519995" rtl="0" eaLnBrk="1" fontAlgn="auto" latinLnBrk="0" hangingPunct="1">
@@ -5514,7 +6302,7 @@
                             <a:defRPr/>
                           </a:pPr>
                           <a:r>
-                            <a:rPr lang="en-US" sz="3400" b="0" kern="1200" dirty="0" err="1">
+                            <a:rPr lang="en-US" sz="3400" b="0" kern="1200" dirty="0">
                               <a:solidFill>
                                 <a:schemeClr val="tx1"/>
                               </a:solidFill>
@@ -5523,17 +6311,39 @@
                               <a:ea typeface="+mn-ea"/>
                               <a:cs typeface="Open Sans Hebrew" panose="00000500000000000000" pitchFamily="2" charset="-79"/>
                             </a:rPr>
-                            <a:t>asas</a:t>
+                            <a:t> </a:t>
                           </a:r>
-                          <a:endParaRPr lang="en-US" sz="3400" b="0" kern="1200" dirty="0">
-                            <a:solidFill>
-                              <a:schemeClr val="tx1"/>
-                            </a:solidFill>
-                            <a:effectLst/>
-                            <a:latin typeface="+mn-lt"/>
-                            <a:ea typeface="+mn-ea"/>
-                            <a:cs typeface="Open Sans Hebrew" panose="00000500000000000000" pitchFamily="2" charset="-79"/>
-                          </a:endParaRPr>
+                        </a:p>
+                        <a:p>
+                          <a:pPr marL="0" marR="0" lvl="0" indent="0" algn="l" defTabSz="2519995" rtl="0" eaLnBrk="1" fontAlgn="auto" latinLnBrk="0" hangingPunct="1">
+                            <a:lnSpc>
+                              <a:spcPct val="100000"/>
+                            </a:lnSpc>
+                            <a:spcBef>
+                              <a:spcPts val="0"/>
+                            </a:spcBef>
+                            <a:spcAft>
+                              <a:spcPts val="0"/>
+                            </a:spcAft>
+                            <a:buClrTx/>
+                            <a:buSzTx/>
+                            <a:buFontTx/>
+                            <a:buNone/>
+                            <a:tabLst/>
+                            <a:defRPr/>
+                          </a:pPr>
+                          <a:r>
+                            <a:rPr lang="en-US" sz="3400" b="0" kern="1200" dirty="0">
+                              <a:solidFill>
+                                <a:schemeClr val="tx1"/>
+                              </a:solidFill>
+                              <a:effectLst/>
+                              <a:latin typeface="+mn-lt"/>
+                              <a:ea typeface="+mn-ea"/>
+                              <a:cs typeface="Open Sans Hebrew" panose="00000500000000000000" pitchFamily="2" charset="-79"/>
+                            </a:rPr>
+                            <a:t>Screenshots of the app:</a:t>
+                          </a:r>
                         </a:p>
                         <a:p>
                           <a:pPr marL="0" marR="0" lvl="0" indent="0" algn="l" defTabSz="2519995" rtl="0" eaLnBrk="1" fontAlgn="auto" latinLnBrk="0" hangingPunct="1">
@@ -5666,6 +6476,146 @@
                             <a:defRPr/>
                           </a:pPr>
                           <a:endParaRPr lang="en-US" sz="3400" b="1" kern="1200" dirty="0">
+                            <a:solidFill>
+                              <a:schemeClr val="tx1"/>
+                            </a:solidFill>
+                            <a:effectLst/>
+                            <a:latin typeface="+mn-lt"/>
+                            <a:ea typeface="+mn-ea"/>
+                            <a:cs typeface="Open Sans Hebrew" panose="00000500000000000000" pitchFamily="2" charset="-79"/>
+                          </a:endParaRPr>
+                        </a:p>
+                        <a:p>
+                          <a:pPr marL="0" marR="0" lvl="0" indent="0" algn="l" defTabSz="2519995" rtl="0" eaLnBrk="1" fontAlgn="auto" latinLnBrk="0" hangingPunct="1">
+                            <a:lnSpc>
+                              <a:spcPct val="100000"/>
+                            </a:lnSpc>
+                            <a:spcBef>
+                              <a:spcPts val="0"/>
+                            </a:spcBef>
+                            <a:spcAft>
+                              <a:spcPts val="0"/>
+                            </a:spcAft>
+                            <a:buClrTx/>
+                            <a:buSzTx/>
+                            <a:buFontTx/>
+                            <a:buNone/>
+                            <a:tabLst/>
+                            <a:defRPr/>
+                          </a:pPr>
+                          <a:endParaRPr lang="en-US" sz="5400" b="1" kern="1200" dirty="0">
+                            <a:solidFill>
+                              <a:schemeClr val="tx1"/>
+                            </a:solidFill>
+                            <a:effectLst/>
+                            <a:latin typeface="+mn-lt"/>
+                            <a:ea typeface="+mn-ea"/>
+                            <a:cs typeface="Open Sans Hebrew" panose="00000500000000000000" pitchFamily="2" charset="-79"/>
+                          </a:endParaRPr>
+                        </a:p>
+                        <a:p>
+                          <a:pPr marL="0" marR="0" lvl="0" indent="0" algn="l" defTabSz="2519995" rtl="0" eaLnBrk="1" fontAlgn="auto" latinLnBrk="0" hangingPunct="1">
+                            <a:lnSpc>
+                              <a:spcPct val="100000"/>
+                            </a:lnSpc>
+                            <a:spcBef>
+                              <a:spcPts val="0"/>
+                            </a:spcBef>
+                            <a:spcAft>
+                              <a:spcPts val="0"/>
+                            </a:spcAft>
+                            <a:buClrTx/>
+                            <a:buSzTx/>
+                            <a:buFontTx/>
+                            <a:buNone/>
+                            <a:tabLst/>
+                            <a:defRPr/>
+                          </a:pPr>
+                          <a:endParaRPr lang="he-IL" sz="5400" b="1" kern="1200" dirty="0">
+                            <a:solidFill>
+                              <a:schemeClr val="tx1"/>
+                            </a:solidFill>
+                            <a:effectLst/>
+                            <a:latin typeface="+mn-lt"/>
+                            <a:ea typeface="+mn-ea"/>
+                            <a:cs typeface="Open Sans Hebrew" panose="00000500000000000000" pitchFamily="2" charset="-79"/>
+                          </a:endParaRPr>
+                        </a:p>
+                        <a:p>
+                          <a:pPr marL="0" marR="0" lvl="0" indent="0" algn="l" defTabSz="2519995" rtl="0" eaLnBrk="1" fontAlgn="auto" latinLnBrk="0" hangingPunct="1">
+                            <a:lnSpc>
+                              <a:spcPct val="100000"/>
+                            </a:lnSpc>
+                            <a:spcBef>
+                              <a:spcPts val="0"/>
+                            </a:spcBef>
+                            <a:spcAft>
+                              <a:spcPts val="0"/>
+                            </a:spcAft>
+                            <a:buClrTx/>
+                            <a:buSzTx/>
+                            <a:buFontTx/>
+                            <a:buNone/>
+                            <a:tabLst/>
+                            <a:defRPr/>
+                          </a:pPr>
+                          <a:endParaRPr lang="he-IL" sz="5400" b="1" kern="1200" dirty="0">
+                            <a:solidFill>
+                              <a:schemeClr val="tx1"/>
+                            </a:solidFill>
+                            <a:effectLst/>
+                            <a:latin typeface="+mn-lt"/>
+                            <a:ea typeface="+mn-ea"/>
+                            <a:cs typeface="Open Sans Hebrew" panose="00000500000000000000" pitchFamily="2" charset="-79"/>
+                          </a:endParaRPr>
+                        </a:p>
+                        <a:p>
+                          <a:pPr marL="0" marR="0" lvl="0" indent="0" algn="l" defTabSz="2519995" rtl="0" eaLnBrk="1" fontAlgn="auto" latinLnBrk="0" hangingPunct="1">
+                            <a:lnSpc>
+                              <a:spcPct val="100000"/>
+                            </a:lnSpc>
+                            <a:spcBef>
+                              <a:spcPts val="0"/>
+                            </a:spcBef>
+                            <a:spcAft>
+                              <a:spcPts val="0"/>
+                            </a:spcAft>
+                            <a:buClrTx/>
+                            <a:buSzTx/>
+                            <a:buFontTx/>
+                            <a:buNone/>
+                            <a:tabLst/>
+                            <a:defRPr/>
+                          </a:pPr>
+                          <a:endParaRPr lang="he-IL" sz="5400" b="1" kern="1200" dirty="0">
+                            <a:solidFill>
+                              <a:schemeClr val="tx1"/>
+                            </a:solidFill>
+                            <a:effectLst/>
+                            <a:latin typeface="+mn-lt"/>
+                            <a:ea typeface="+mn-ea"/>
+                            <a:cs typeface="Open Sans Hebrew" panose="00000500000000000000" pitchFamily="2" charset="-79"/>
+                          </a:endParaRPr>
+                        </a:p>
+                        <a:p>
+                          <a:pPr marL="0" marR="0" lvl="0" indent="0" algn="l" defTabSz="2519995" rtl="0" eaLnBrk="1" fontAlgn="auto" latinLnBrk="0" hangingPunct="1">
+                            <a:lnSpc>
+                              <a:spcPct val="100000"/>
+                            </a:lnSpc>
+                            <a:spcBef>
+                              <a:spcPts val="0"/>
+                            </a:spcBef>
+                            <a:spcAft>
+                              <a:spcPts val="0"/>
+                            </a:spcAft>
+                            <a:buClrTx/>
+                            <a:buSzTx/>
+                            <a:buFontTx/>
+                            <a:buNone/>
+                            <a:tabLst/>
+                            <a:defRPr/>
+                          </a:pPr>
+                          <a:endParaRPr lang="he-IL" sz="5400" b="1" kern="1200" dirty="0">
                             <a:solidFill>
                               <a:schemeClr val="tx1"/>
                             </a:solidFill>
@@ -5820,6 +6770,116 @@
                             </a:rPr>
                             <a:t>-</a:t>
                           </a:r>
+                          <a:r>
+                            <a:rPr lang="en-US" sz="3400" kern="1200" dirty="0">
+                              <a:solidFill>
+                                <a:schemeClr val="tx1"/>
+                              </a:solidFill>
+                              <a:effectLst/>
+                              <a:latin typeface="+mn-lt"/>
+                              <a:ea typeface="+mn-ea"/>
+                              <a:cs typeface="+mn-cs"/>
+                            </a:rPr>
+                            <a:t>[1] Jorge </a:t>
+                          </a:r>
+                          <a:r>
+                            <a:rPr lang="en-US" sz="3400" kern="1200" dirty="0" err="1">
+                              <a:solidFill>
+                                <a:schemeClr val="tx1"/>
+                              </a:solidFill>
+                              <a:effectLst/>
+                              <a:latin typeface="+mn-lt"/>
+                              <a:ea typeface="+mn-ea"/>
+                              <a:cs typeface="+mn-cs"/>
+                            </a:rPr>
+                            <a:t>Revuelta</a:t>
+                          </a:r>
+                          <a:r>
+                            <a:rPr lang="en-US" sz="3400" kern="1200" dirty="0">
+                              <a:solidFill>
+                                <a:schemeClr val="tx1"/>
+                              </a:solidFill>
+                              <a:effectLst/>
+                              <a:latin typeface="+mn-lt"/>
+                              <a:ea typeface="+mn-ea"/>
+                              <a:cs typeface="+mn-cs"/>
+                            </a:rPr>
+                            <a:t> Herrero, Alvaro Lozano </a:t>
+                          </a:r>
+                          <a:r>
+                            <a:rPr lang="en-US" sz="3400" kern="1200" dirty="0" err="1">
+                              <a:solidFill>
+                                <a:schemeClr val="tx1"/>
+                              </a:solidFill>
+                              <a:effectLst/>
+                              <a:latin typeface="+mn-lt"/>
+                              <a:ea typeface="+mn-ea"/>
+                              <a:cs typeface="+mn-cs"/>
+                            </a:rPr>
+                            <a:t>Murciego</a:t>
+                          </a:r>
+                          <a:r>
+                            <a:rPr lang="en-US" sz="3400" kern="1200" dirty="0">
+                              <a:solidFill>
+                                <a:schemeClr val="tx1"/>
+                              </a:solidFill>
+                              <a:effectLst/>
+                              <a:latin typeface="+mn-lt"/>
+                              <a:ea typeface="+mn-ea"/>
+                              <a:cs typeface="+mn-cs"/>
+                            </a:rPr>
+                            <a:t>, et al: Non Intrusive Monitoring (NILM): A State of the Art (2017): </a:t>
+                          </a:r>
+                          <a:r>
+                            <a:rPr lang="en-US" sz="3400" u="sng" kern="1200" dirty="0">
+                              <a:solidFill>
+                                <a:schemeClr val="tx1"/>
+                              </a:solidFill>
+                              <a:effectLst/>
+                              <a:latin typeface="+mn-lt"/>
+                              <a:ea typeface="+mn-ea"/>
+                              <a:cs typeface="+mn-cs"/>
+                              <a:hlinkClick r:id="rId2"/>
+                            </a:rPr>
+                            <a:t>https://www.researchgate.net/publication/318510754_Non_Intrusive_Load_Monitoring_NILM_A_State_of_the_Art</a:t>
+                          </a:r>
+                          <a:endParaRPr lang="en-US" sz="3400" kern="1200" dirty="0">
+                            <a:solidFill>
+                              <a:schemeClr val="tx1"/>
+                            </a:solidFill>
+                            <a:effectLst/>
+                            <a:latin typeface="+mn-lt"/>
+                            <a:ea typeface="+mn-ea"/>
+                            <a:cs typeface="+mn-cs"/>
+                          </a:endParaRPr>
+                        </a:p>
+                        <a:p>
+                          <a:pPr marL="0" marR="0" lvl="0" indent="0" algn="l" defTabSz="2519995" rtl="0" eaLnBrk="1" fontAlgn="auto" latinLnBrk="0" hangingPunct="1">
+                            <a:lnSpc>
+                              <a:spcPct val="100000"/>
+                            </a:lnSpc>
+                            <a:spcBef>
+                              <a:spcPts val="0"/>
+                            </a:spcBef>
+                            <a:spcAft>
+                              <a:spcPts val="0"/>
+                            </a:spcAft>
+                            <a:buClrTx/>
+                            <a:buSzTx/>
+                            <a:buFontTx/>
+                            <a:buNone/>
+                            <a:tabLst/>
+                            <a:defRPr/>
+                          </a:pPr>
+                          <a:endParaRPr lang="en-US" sz="1000" kern="1200" dirty="0">
+                            <a:solidFill>
+                              <a:schemeClr val="tx1"/>
+                            </a:solidFill>
+                            <a:effectLst/>
+                            <a:latin typeface="+mn-lt"/>
+                            <a:ea typeface="+mn-ea"/>
+                            <a:cs typeface="Open Sans Hebrew" panose="00000500000000000000" pitchFamily="2" charset="-79"/>
+                          </a:endParaRPr>
                         </a:p>
                         <a:p>
                           <a:pPr marL="0" marR="0" lvl="0" indent="0" algn="l" defTabSz="2519995" rtl="0" eaLnBrk="1" fontAlgn="auto" latinLnBrk="0" hangingPunct="1">
@@ -6007,7 +7067,7 @@
           <p:nvPr/>
         </p:nvPicPr>
         <p:blipFill>
-          <a:blip r:embed="rId3" cstate="print">
+          <a:blip r:embed="rId4" cstate="print">
             <a:extLst>
               <a:ext uri="{28A0092B-C50C-407E-A947-70E740481C1C}">
                 <a14:useLocalDpi xmlns:a14="http://schemas.microsoft.com/office/drawing/2010/main" val="0"/>
@@ -6037,7 +7097,7 @@
           <p:nvPr/>
         </p:nvPicPr>
         <p:blipFill>
-          <a:blip r:embed="rId4">
+          <a:blip r:embed="rId5">
             <a:extLst>
               <a:ext uri="{28A0092B-C50C-407E-A947-70E740481C1C}">
                 <a14:useLocalDpi xmlns:a14="http://schemas.microsoft.com/office/drawing/2010/main" val="0"/>
@@ -6071,13 +7131,13 @@
           <p:nvPr/>
         </p:nvPicPr>
         <p:blipFill rotWithShape="1">
-          <a:blip r:embed="rId5"/>
+          <a:blip r:embed="rId6"/>
           <a:srcRect t="6598"/>
           <a:stretch/>
         </p:blipFill>
         <p:spPr>
           <a:xfrm>
-            <a:off x="11880677" y="17564264"/>
+            <a:off x="12457949" y="18480663"/>
             <a:ext cx="9781144" cy="6719312"/>
           </a:xfrm>
           <a:prstGeom prst="rect">
@@ -6098,14 +7158,100 @@
           <p:nvPr/>
         </p:nvPicPr>
         <p:blipFill rotWithShape="1">
-          <a:blip r:embed="rId6"/>
+          <a:blip r:embed="rId7"/>
           <a:srcRect t="7099"/>
           <a:stretch/>
         </p:blipFill>
         <p:spPr>
           <a:xfrm>
-            <a:off x="24083188" y="4959278"/>
+            <a:off x="24000702" y="4359437"/>
             <a:ext cx="9268909" cy="6333267"/>
+          </a:xfrm>
+          <a:prstGeom prst="rect">
+            <a:avLst/>
+          </a:prstGeom>
+        </p:spPr>
+      </p:pic>
+      <p:pic>
+        <p:nvPicPr>
+          <p:cNvPr id="5" name="Picture 4">
+            <a:extLst>
+              <a:ext uri="{FF2B5EF4-FFF2-40B4-BE49-F238E27FC236}">
+                <a16:creationId xmlns:a16="http://schemas.microsoft.com/office/drawing/2014/main" id="{D8FC58B3-51A5-499B-AA79-11B984CDC27B}"/>
+              </a:ext>
+            </a:extLst>
+          </p:cNvPr>
+          <p:cNvPicPr>
+            <a:picLocks noChangeAspect="1"/>
+          </p:cNvPicPr>
+          <p:nvPr/>
+        </p:nvPicPr>
+        <p:blipFill>
+          <a:blip r:embed="rId8"/>
+          <a:stretch>
+            <a:fillRect/>
+          </a:stretch>
+        </p:blipFill>
+        <p:spPr>
+          <a:xfrm>
+            <a:off x="11886615" y="13319752"/>
+            <a:ext cx="12139830" cy="3365916"/>
+          </a:xfrm>
+          <a:prstGeom prst="rect">
+            <a:avLst/>
+          </a:prstGeom>
+        </p:spPr>
+      </p:pic>
+      <p:pic>
+        <p:nvPicPr>
+          <p:cNvPr id="12" name="תמונה 12">
+            <a:extLst>
+              <a:ext uri="{FF2B5EF4-FFF2-40B4-BE49-F238E27FC236}">
+                <a16:creationId xmlns:a16="http://schemas.microsoft.com/office/drawing/2014/main" id="{693A4A98-A54A-4BD5-9135-833A8AE021B0}"/>
+              </a:ext>
+            </a:extLst>
+          </p:cNvPr>
+          <p:cNvPicPr/>
+          <p:nvPr/>
+        </p:nvPicPr>
+        <p:blipFill>
+          <a:blip r:embed="rId9"/>
+          <a:stretch>
+            <a:fillRect/>
+          </a:stretch>
+        </p:blipFill>
+        <p:spPr>
+          <a:xfrm>
+            <a:off x="28998220" y="12153900"/>
+            <a:ext cx="5748979" cy="9347264"/>
+          </a:xfrm>
+          <a:prstGeom prst="rect">
+            <a:avLst/>
+          </a:prstGeom>
+        </p:spPr>
+      </p:pic>
+      <p:pic>
+        <p:nvPicPr>
+          <p:cNvPr id="13" name="Picture 12">
+            <a:extLst>
+              <a:ext uri="{FF2B5EF4-FFF2-40B4-BE49-F238E27FC236}">
+                <a16:creationId xmlns:a16="http://schemas.microsoft.com/office/drawing/2014/main" id="{18031119-8F3B-4F11-9095-180E24EC276D}"/>
+              </a:ext>
+            </a:extLst>
+          </p:cNvPr>
+          <p:cNvPicPr/>
+          <p:nvPr/>
+        </p:nvPicPr>
+        <p:blipFill>
+          <a:blip r:embed="rId10"/>
+          <a:stretch>
+            <a:fillRect/>
+          </a:stretch>
+        </p:blipFill>
+        <p:spPr>
+          <a:xfrm>
+            <a:off x="23302582" y="12153899"/>
+            <a:ext cx="5332575" cy="9347265"/>
           </a:xfrm>
           <a:prstGeom prst="rect">
             <a:avLst/>
